--- a/실증적 sw프로젝트/자료/ppt/SW실증 중간발표(토끼용) v2.pptx
+++ b/실증적 sw프로젝트/자료/ppt/SW실증 중간발표(토끼용) v2.pptx
@@ -1,25 +1,24 @@
 
 <file path=ppt/presentation.xml><?xml version="1.0" encoding="utf-8"?>
-<p:presentation xmlns:a="http://schemas.openxmlformats.org/drawingml/2006/main" xmlns:r="http://schemas.openxmlformats.org/officeDocument/2006/relationships" xmlns:p="http://schemas.openxmlformats.org/presentationml/2006/main">
+<p:presentation xmlns:r="http://schemas.openxmlformats.org/officeDocument/2006/relationships" xmlns:c="http://schemas.openxmlformats.org/drawingml/2006/chart" xmlns:a="http://schemas.openxmlformats.org/drawingml/2006/main" xmlns:dgm="http://schemas.openxmlformats.org/drawingml/2006/diagram" xmlns:dsp="http://schemas.microsoft.com/office/drawing/2008/diagram" xmlns:p="http://schemas.openxmlformats.org/presentationml/2006/main">
   <p:sldMasterIdLst>
-    <p:sldMasterId id="2147483648" r:id="rId4"/>
+    <p:sldMasterId id="2147483648" r:id="rId1"/>
   </p:sldMasterIdLst>
   <p:notesMasterIdLst>
-    <p:notesMasterId r:id="rId17"/>
+    <p:notesMasterId r:id="rId2"/>
   </p:notesMasterIdLst>
   <p:sldIdLst>
-    <p:sldId id="256" r:id="rId5"/>
-    <p:sldId id="258" r:id="rId6"/>
-    <p:sldId id="259" r:id="rId7"/>
-    <p:sldId id="266" r:id="rId8"/>
-    <p:sldId id="260" r:id="rId9"/>
-    <p:sldId id="261" r:id="rId10"/>
-    <p:sldId id="267" r:id="rId11"/>
-    <p:sldId id="262" r:id="rId12"/>
-    <p:sldId id="268" r:id="rId13"/>
-    <p:sldId id="263" r:id="rId14"/>
-    <p:sldId id="264" r:id="rId15"/>
-    <p:sldId id="265" r:id="rId16"/>
+    <p:sldId id="256" r:id="rId3"/>
+    <p:sldId id="258" r:id="rId4"/>
+    <p:sldId id="259" r:id="rId5"/>
+    <p:sldId id="266" r:id="rId6"/>
+    <p:sldId id="260" r:id="rId7"/>
+    <p:sldId id="261" r:id="rId8"/>
+    <p:sldId id="267" r:id="rId9"/>
+    <p:sldId id="263" r:id="rId10"/>
+    <p:sldId id="268" r:id="rId11"/>
+    <p:sldId id="264" r:id="rId12"/>
+    <p:sldId id="265" r:id="rId13"/>
   </p:sldIdLst>
   <p:sldSz cx="12192000" cy="6858000"/>
   <p:notesSz cx="6858000" cy="9144000"/>
@@ -118,16 +117,11 @@
       </a:defRPr>
     </a:lvl9pPr>
   </p:defaultTextStyle>
-  <p:extLst>
-    <p:ext uri="{EFAFB233-063F-42B5-8137-9DF3F51BA10A}">
-      <p15:sldGuideLst xmlns:p15="http://schemas.microsoft.com/office/powerpoint/2012/main"/>
-    </p:ext>
-  </p:extLst>
 </p:presentation>
 </file>
 
 <file path=ppt/notesMasters/notesMaster1.xml><?xml version="1.0" encoding="utf-8"?>
-<p:notesMaster xmlns:a="http://schemas.openxmlformats.org/drawingml/2006/main" xmlns:r="http://schemas.openxmlformats.org/officeDocument/2006/relationships" xmlns:p="http://schemas.openxmlformats.org/presentationml/2006/main">
+<p:notesMaster xmlns:r="http://schemas.openxmlformats.org/officeDocument/2006/relationships" xmlns:c="http://schemas.openxmlformats.org/drawingml/2006/chart" xmlns:a="http://schemas.openxmlformats.org/drawingml/2006/main" xmlns:dgm="http://schemas.openxmlformats.org/drawingml/2006/diagram" xmlns:dsp="http://schemas.microsoft.com/office/drawing/2008/diagram" xmlns:p="http://schemas.openxmlformats.org/presentationml/2006/main">
   <p:cSld>
     <p:bg>
       <p:bgRef idx="1001">
@@ -155,7 +149,7 @@
             <a:spLocks noGrp="1"/>
           </p:cNvSpPr>
           <p:nvPr>
-            <p:ph type="hdr" sz="quarter"/>
+            <p:ph type="hdr" sz="quarter" idx="0"/>
           </p:nvPr>
         </p:nvSpPr>
         <p:spPr>
@@ -280,6 +274,7 @@
               <a:rPr lang="ko-KR" altLang="en-US"/>
               <a:t>마스터 텍스트 스타일을 편집하려면 클릭</a:t>
             </a:r>
+            <a:endParaRPr lang="ko-KR" altLang="en-US"/>
           </a:p>
           <a:p>
             <a:pPr lvl="1">
@@ -289,6 +284,7 @@
               <a:rPr lang="ko-KR" altLang="en-US"/>
               <a:t>두 번째 수준</a:t>
             </a:r>
+            <a:endParaRPr lang="ko-KR" altLang="en-US"/>
           </a:p>
           <a:p>
             <a:pPr lvl="2">
@@ -298,6 +294,7 @@
               <a:rPr lang="ko-KR" altLang="en-US"/>
               <a:t>세 번째 수준</a:t>
             </a:r>
+            <a:endParaRPr lang="ko-KR" altLang="en-US"/>
           </a:p>
           <a:p>
             <a:pPr lvl="3">
@@ -307,6 +304,7 @@
               <a:rPr lang="ko-KR" altLang="en-US"/>
               <a:t>네 번째 수준</a:t>
             </a:r>
+            <a:endParaRPr lang="ko-KR" altLang="en-US"/>
           </a:p>
           <a:p>
             <a:pPr lvl="4">
@@ -316,6 +314,7 @@
               <a:rPr lang="ko-KR" altLang="en-US"/>
               <a:t>다섯 번째 수준</a:t>
             </a:r>
+            <a:endParaRPr lang="ko-KR" altLang="en-US"/>
           </a:p>
         </p:txBody>
       </p:sp>
@@ -492,7 +491,7 @@
 </file>
 
 <file path=ppt/notesSlides/notesSlide1.xml><?xml version="1.0" encoding="utf-8"?>
-<p:notes xmlns:a="http://schemas.openxmlformats.org/drawingml/2006/main" xmlns:r="http://schemas.openxmlformats.org/officeDocument/2006/relationships" xmlns:p="http://schemas.openxmlformats.org/presentationml/2006/main">
+<p:notes xmlns:r="http://schemas.openxmlformats.org/officeDocument/2006/relationships" xmlns:c="http://schemas.openxmlformats.org/drawingml/2006/chart" xmlns:a="http://schemas.openxmlformats.org/drawingml/2006/main" xmlns:dgm="http://schemas.openxmlformats.org/drawingml/2006/diagram" xmlns:dsp="http://schemas.microsoft.com/office/drawing/2008/diagram" xmlns:p="http://schemas.openxmlformats.org/presentationml/2006/main">
   <p:cSld>
     <p:spTree>
       <p:nvGrpSpPr>
@@ -535,22 +534,28 @@
           <a:bodyPr/>
           <a:lstStyle/>
           <a:p>
-            <a:r>
-              <a:rPr lang="en-US" altLang="ko-KR" dirty="0"/>
+            <a:pPr lvl="0">
+              <a:defRPr/>
+            </a:pPr>
+            <a:r>
+              <a:rPr lang="en-US" altLang="ko-KR"/>
               <a:t>Smart Wearable Device</a:t>
             </a:r>
             <a:r>
-              <a:rPr lang="ko-KR" altLang="en-US" dirty="0"/>
-              <a:t>의 증가와 산업에서의 자동화 솔루션 사용 증가로 인한 </a:t>
-            </a:r>
-            <a:r>
-              <a:rPr lang="ko-KR" altLang="en-US" dirty="0" err="1"/>
-              <a:t>입베디드</a:t>
-            </a:r>
-            <a:r>
-              <a:rPr lang="ko-KR" altLang="en-US" dirty="0"/>
-              <a:t> 시장의 빠른 성장</a:t>
-            </a:r>
+              <a:rPr lang="ko-KR" altLang="en-US"/>
+              <a:t>사용 증가와 산업에서의 자동화 솔루션 사용 증가로 인한 임베디드 시장의 빠른 성장</a:t>
+            </a:r>
+            <a:endParaRPr lang="ko-KR" altLang="en-US"/>
+          </a:p>
+          <a:p>
+            <a:pPr lvl="0">
+              <a:defRPr/>
+            </a:pPr>
+            <a:r>
+              <a:rPr lang="ko-KR" altLang="en-US"/>
+              <a:t>그래프 왼쪽에서부터 순서대로 자동차 산업 전자제품 산업부문 항공우주 산업및 방위 기타</a:t>
+            </a:r>
+            <a:endParaRPr lang="ko-KR" altLang="en-US"/>
           </a:p>
         </p:txBody>
       </p:sp>
@@ -634,46 +639,7 @@
           <a:bodyPr/>
           <a:lstStyle/>
           <a:p>
-            <a:pPr lvl="0">
-              <a:defRPr/>
-            </a:pPr>
-            <a:r>
-              <a:rPr lang="ko-KR" altLang="en-US" dirty="0"/>
-              <a:t>임베디드 시스템에서 사용하는 </a:t>
-            </a:r>
-            <a:r>
-              <a:rPr lang="en-US" altLang="ko-KR" dirty="0"/>
-              <a:t>ONNX Runtime </a:t>
-            </a:r>
-            <a:r>
-              <a:rPr lang="ko-KR" altLang="en-US" dirty="0"/>
-              <a:t>프레임워크를 활용하여 </a:t>
-            </a:r>
-            <a:r>
-              <a:rPr lang="en-US" altLang="ko-KR" dirty="0"/>
-              <a:t>Raspi5</a:t>
-            </a:r>
-            <a:r>
-              <a:rPr lang="ko-KR" altLang="en-US" dirty="0"/>
-              <a:t>에 최적화된 </a:t>
-            </a:r>
-            <a:r>
-              <a:rPr lang="en-US" altLang="ko-KR" dirty="0"/>
-              <a:t>Computer Vision</a:t>
-            </a:r>
-            <a:r>
-              <a:rPr lang="ko-KR" altLang="en-US" dirty="0"/>
-              <a:t>의 </a:t>
-            </a:r>
-            <a:r>
-              <a:rPr lang="en-US" altLang="ko-KR" dirty="0"/>
-              <a:t>base model</a:t>
-            </a:r>
-            <a:r>
-              <a:rPr lang="ko-KR" altLang="en-US" dirty="0"/>
-              <a:t>들을 구현하는 것 까지가 단기적인 목표</a:t>
-            </a:r>
-            <a:endParaRPr lang="en-US" altLang="ko-KR" dirty="0"/>
+            <a:endParaRPr lang="ko-KR" altLang="en-US" dirty="0"/>
           </a:p>
         </p:txBody>
       </p:sp>
@@ -694,7 +660,7 @@
           <a:p>
             <a:fld id="{222DD552-84BF-4A8B-831D-8BB12717D5F3}" type="slidenum">
               <a:rPr lang="ko-KR" altLang="en-US" smtClean="0"/>
-              <a:t>11</a:t>
+              <a:t>12</a:t>
             </a:fld>
             <a:endParaRPr lang="ko-KR" altLang="en-US" dirty="0"/>
           </a:p>
@@ -703,7 +669,7 @@
     </p:spTree>
     <p:extLst>
       <p:ext uri="{BB962C8B-B14F-4D97-AF65-F5344CB8AC3E}">
-        <p14:creationId xmlns:p14="http://schemas.microsoft.com/office/powerpoint/2010/main" val="964174448"/>
+        <p14:creationId xmlns:p14="http://schemas.microsoft.com/office/powerpoint/2010/main" val="1386389023"/>
       </p:ext>
     </p:extLst>
   </p:cSld>
@@ -713,8 +679,8 @@
 </p:notes>
 </file>
 
-<file path=ppt/notesSlides/notesSlide11.xml><?xml version="1.0" encoding="utf-8"?>
-<p:notes xmlns:a="http://schemas.openxmlformats.org/drawingml/2006/main" xmlns:r="http://schemas.openxmlformats.org/officeDocument/2006/relationships" xmlns:p="http://schemas.openxmlformats.org/presentationml/2006/main">
+<file path=ppt/notesSlides/notesSlide2.xml><?xml version="1.0" encoding="utf-8"?>
+<p:notes xmlns:r="http://schemas.openxmlformats.org/officeDocument/2006/relationships" xmlns:c="http://schemas.openxmlformats.org/drawingml/2006/chart" xmlns:a="http://schemas.openxmlformats.org/drawingml/2006/main" xmlns:dgm="http://schemas.openxmlformats.org/drawingml/2006/diagram" xmlns:dsp="http://schemas.microsoft.com/office/drawing/2008/diagram" xmlns:p="http://schemas.openxmlformats.org/presentationml/2006/main">
   <p:cSld>
     <p:spTree>
       <p:nvGrpSpPr>
@@ -757,7 +723,118 @@
           <a:bodyPr/>
           <a:lstStyle/>
           <a:p>
-            <a:endParaRPr lang="ko-KR" altLang="en-US" dirty="0"/>
+            <a:pPr lvl="0">
+              <a:defRPr/>
+            </a:pPr>
+            <a:r>
+              <a:rPr lang="ko-KR" altLang="en-US">
+                <a:solidFill>
+                  <a:schemeClr val="tx1">
+                    <a:lumMod val="65000"/>
+                    <a:lumOff val="35000"/>
+                  </a:schemeClr>
+                </a:solidFill>
+              </a:rPr>
+              <a:t>임베디드 시스템에 </a:t>
+            </a:r>
+            <a:r>
+              <a:rPr lang="en-US" altLang="ko-KR">
+                <a:solidFill>
+                  <a:schemeClr val="tx1">
+                    <a:lumMod val="65000"/>
+                    <a:lumOff val="35000"/>
+                  </a:schemeClr>
+                </a:solidFill>
+              </a:rPr>
+              <a:t>Computer Vision </a:t>
+            </a:r>
+            <a:r>
+              <a:rPr lang="ko-KR" altLang="en-US">
+                <a:solidFill>
+                  <a:schemeClr val="tx1">
+                    <a:lumMod val="65000"/>
+                    <a:lumOff val="35000"/>
+                  </a:schemeClr>
+                </a:solidFill>
+              </a:rPr>
+              <a:t>기술이 사용되는 기존의 예시 제안과 유망성 설명</a:t>
+            </a:r>
+            <a:endParaRPr lang="ko-KR" altLang="en-US">
+              <a:solidFill>
+                <a:schemeClr val="tx1">
+                  <a:lumMod val="65000"/>
+                  <a:lumOff val="35000"/>
+                </a:schemeClr>
+              </a:solidFill>
+            </a:endParaRPr>
+          </a:p>
+          <a:p>
+            <a:pPr lvl="0">
+              <a:defRPr/>
+            </a:pPr>
+            <a:r>
+              <a:rPr lang="ko-KR" altLang="en-US">
+                <a:solidFill>
+                  <a:schemeClr val="tx1">
+                    <a:lumMod val="65000"/>
+                    <a:lumOff val="35000"/>
+                  </a:schemeClr>
+                </a:solidFill>
+              </a:rPr>
+              <a:t>다음으로 </a:t>
+            </a:r>
+            <a:r>
+              <a:rPr lang="en-US" altLang="ko-KR">
+                <a:solidFill>
+                  <a:schemeClr val="tx1">
+                    <a:lumMod val="65000"/>
+                    <a:lumOff val="35000"/>
+                  </a:schemeClr>
+                </a:solidFill>
+              </a:rPr>
+              <a:t>computer vision </a:t>
+            </a:r>
+            <a:r>
+              <a:rPr lang="ko-KR" altLang="en-US">
+                <a:solidFill>
+                  <a:schemeClr val="tx1">
+                    <a:lumMod val="65000"/>
+                    <a:lumOff val="35000"/>
+                  </a:schemeClr>
+                </a:solidFill>
+              </a:rPr>
+              <a:t>을 이용한 임베디드 시스템들 입니다 </a:t>
+            </a:r>
+            <a:r>
+              <a:rPr lang="en-US" altLang="ko-KR">
+                <a:solidFill>
+                  <a:schemeClr val="tx1">
+                    <a:lumMod val="65000"/>
+                    <a:lumOff val="35000"/>
+                  </a:schemeClr>
+                </a:solidFill>
+              </a:rPr>
+              <a:t>ADAS</a:t>
+            </a:r>
+            <a:r>
+              <a:rPr lang="ko-KR" altLang="en-US">
+                <a:solidFill>
+                  <a:schemeClr val="tx1">
+                    <a:lumMod val="65000"/>
+                    <a:lumOff val="35000"/>
+                  </a:schemeClr>
+                </a:solidFill>
+              </a:rPr>
+              <a:t> 스마트 시티 및 교통 시스템 스마트 홈 시스템 이 외에도 의료 제조 게임 등 다양한 분야에서 활용될 수 있습니다  </a:t>
+            </a:r>
+            <a:endParaRPr lang="ko-KR" altLang="en-US">
+              <a:solidFill>
+                <a:schemeClr val="tx1">
+                  <a:lumMod val="65000"/>
+                  <a:lumOff val="35000"/>
+                </a:schemeClr>
+              </a:solidFill>
+            </a:endParaRPr>
           </a:p>
         </p:txBody>
       </p:sp>
@@ -778,7 +855,7 @@
           <a:p>
             <a:fld id="{222DD552-84BF-4A8B-831D-8BB12717D5F3}" type="slidenum">
               <a:rPr lang="ko-KR" altLang="en-US" smtClean="0"/>
-              <a:t>12</a:t>
+              <a:t>3</a:t>
             </a:fld>
             <a:endParaRPr lang="ko-KR" altLang="en-US" dirty="0"/>
           </a:p>
@@ -787,7 +864,7 @@
     </p:spTree>
     <p:extLst>
       <p:ext uri="{BB962C8B-B14F-4D97-AF65-F5344CB8AC3E}">
-        <p14:creationId xmlns:p14="http://schemas.microsoft.com/office/powerpoint/2010/main" val="1386389023"/>
+        <p14:creationId xmlns:p14="http://schemas.microsoft.com/office/powerpoint/2010/main" val="1217960790"/>
       </p:ext>
     </p:extLst>
   </p:cSld>
@@ -797,8 +874,8 @@
 </p:notes>
 </file>
 
-<file path=ppt/notesSlides/notesSlide2.xml><?xml version="1.0" encoding="utf-8"?>
-<p:notes xmlns:a="http://schemas.openxmlformats.org/drawingml/2006/main" xmlns:r="http://schemas.openxmlformats.org/officeDocument/2006/relationships" xmlns:p="http://schemas.openxmlformats.org/presentationml/2006/main">
+<file path=ppt/notesSlides/notesSlide3.xml><?xml version="1.0" encoding="utf-8"?>
+<p:notes xmlns:r="http://schemas.openxmlformats.org/officeDocument/2006/relationships" xmlns:c="http://schemas.openxmlformats.org/drawingml/2006/chart" xmlns:a="http://schemas.openxmlformats.org/drawingml/2006/main" xmlns:dgm="http://schemas.openxmlformats.org/drawingml/2006/diagram" xmlns:dsp="http://schemas.microsoft.com/office/drawing/2008/diagram" xmlns:p="http://schemas.openxmlformats.org/presentationml/2006/main">
   <p:cSld>
     <p:spTree>
       <p:nvGrpSpPr>
@@ -816,147 +893,6 @@
       </p:grpSpPr>
       <p:sp>
         <p:nvSpPr>
-          <p:cNvPr id="2" name="슬라이드 이미지 개체 틀 1"/>
-          <p:cNvSpPr>
-            <a:spLocks noGrp="1" noRot="1" noChangeAspect="1"/>
-          </p:cNvSpPr>
-          <p:nvPr>
-            <p:ph type="sldImg"/>
-          </p:nvPr>
-        </p:nvSpPr>
-        <p:spPr/>
-      </p:sp>
-      <p:sp>
-        <p:nvSpPr>
-          <p:cNvPr id="3" name="슬라이드 노트 개체 틀 2"/>
-          <p:cNvSpPr>
-            <a:spLocks noGrp="1"/>
-          </p:cNvSpPr>
-          <p:nvPr>
-            <p:ph type="body" idx="1"/>
-          </p:nvPr>
-        </p:nvSpPr>
-        <p:spPr/>
-        <p:txBody>
-          <a:bodyPr/>
-          <a:lstStyle/>
-          <a:p>
-            <a:pPr lvl="0">
-              <a:defRPr/>
-            </a:pPr>
-            <a:r>
-              <a:rPr lang="ko-KR" altLang="en-US" dirty="0">
-                <a:solidFill>
-                  <a:schemeClr val="tx1">
-                    <a:lumMod val="65000"/>
-                    <a:lumOff val="35000"/>
-                  </a:schemeClr>
-                </a:solidFill>
-              </a:rPr>
-              <a:t>임베디드 시스템에 </a:t>
-            </a:r>
-            <a:r>
-              <a:rPr lang="en-US" altLang="ko-KR" dirty="0">
-                <a:solidFill>
-                  <a:schemeClr val="tx1">
-                    <a:lumMod val="65000"/>
-                    <a:lumOff val="35000"/>
-                  </a:schemeClr>
-                </a:solidFill>
-              </a:rPr>
-              <a:t>Computer Vision </a:t>
-            </a:r>
-            <a:r>
-              <a:rPr lang="ko-KR" altLang="en-US" dirty="0">
-                <a:solidFill>
-                  <a:schemeClr val="tx1">
-                    <a:lumMod val="65000"/>
-                    <a:lumOff val="35000"/>
-                  </a:schemeClr>
-                </a:solidFill>
-              </a:rPr>
-              <a:t>기술이 사용되는 기존의 예시 제안과 </a:t>
-            </a:r>
-            <a:r>
-              <a:rPr lang="ko-KR" altLang="en-US" dirty="0" err="1">
-                <a:solidFill>
-                  <a:schemeClr val="tx1">
-                    <a:lumMod val="65000"/>
-                    <a:lumOff val="35000"/>
-                  </a:schemeClr>
-                </a:solidFill>
-              </a:rPr>
-              <a:t>유망성</a:t>
-            </a:r>
-            <a:r>
-              <a:rPr lang="ko-KR" altLang="en-US" dirty="0">
-                <a:solidFill>
-                  <a:schemeClr val="tx1">
-                    <a:lumMod val="65000"/>
-                    <a:lumOff val="35000"/>
-                  </a:schemeClr>
-                </a:solidFill>
-              </a:rPr>
-              <a:t> 설명</a:t>
-            </a:r>
-          </a:p>
-        </p:txBody>
-      </p:sp>
-      <p:sp>
-        <p:nvSpPr>
-          <p:cNvPr id="4" name="슬라이드 번호 개체 틀 3"/>
-          <p:cNvSpPr>
-            <a:spLocks noGrp="1"/>
-          </p:cNvSpPr>
-          <p:nvPr>
-            <p:ph type="sldNum" sz="quarter" idx="5"/>
-          </p:nvPr>
-        </p:nvSpPr>
-        <p:spPr/>
-        <p:txBody>
-          <a:bodyPr/>
-          <a:lstStyle/>
-          <a:p>
-            <a:fld id="{222DD552-84BF-4A8B-831D-8BB12717D5F3}" type="slidenum">
-              <a:rPr lang="ko-KR" altLang="en-US" smtClean="0"/>
-              <a:t>3</a:t>
-            </a:fld>
-            <a:endParaRPr lang="ko-KR" altLang="en-US" dirty="0"/>
-          </a:p>
-        </p:txBody>
-      </p:sp>
-    </p:spTree>
-    <p:extLst>
-      <p:ext uri="{BB962C8B-B14F-4D97-AF65-F5344CB8AC3E}">
-        <p14:creationId xmlns:p14="http://schemas.microsoft.com/office/powerpoint/2010/main" val="1217960790"/>
-      </p:ext>
-    </p:extLst>
-  </p:cSld>
-  <p:clrMapOvr>
-    <a:masterClrMapping/>
-  </p:clrMapOvr>
-</p:notes>
-</file>
-
-<file path=ppt/notesSlides/notesSlide3.xml><?xml version="1.0" encoding="utf-8"?>
-<p:notes xmlns:a="http://schemas.openxmlformats.org/drawingml/2006/main" xmlns:r="http://schemas.openxmlformats.org/officeDocument/2006/relationships" xmlns:p="http://schemas.openxmlformats.org/presentationml/2006/main">
-  <p:cSld>
-    <p:spTree>
-      <p:nvGrpSpPr>
-        <p:cNvPr id="1" name=""/>
-        <p:cNvGrpSpPr/>
-        <p:nvPr/>
-      </p:nvGrpSpPr>
-      <p:grpSpPr>
-        <a:xfrm>
-          <a:off x="0" y="0"/>
-          <a:ext cx="0" cy="0"/>
-          <a:chOff x="0" y="0"/>
-          <a:chExt cx="0" cy="0"/>
-        </a:xfrm>
-      </p:grpSpPr>
-      <p:sp>
-        <p:nvSpPr>
           <p:cNvPr id="2" name="슬라이드 이미지 개체 틀 3"/>
           <p:cNvSpPr>
             <a:spLocks noGrp="1" noRot="1" noChangeAspect="1" noTextEdit="1"/>
@@ -993,31 +929,38 @@
               <a:defRPr/>
             </a:pPr>
             <a:r>
-              <a:rPr lang="ko-KR" altLang="en-US" dirty="0"/>
+              <a:rPr lang="ko-KR" altLang="en-US"/>
               <a:t>팀 주제 설명</a:t>
             </a:r>
             <a:r>
-              <a:rPr lang="en-US" altLang="ko-KR" dirty="0"/>
+              <a:rPr lang="en-US" altLang="ko-KR"/>
               <a:t>.</a:t>
             </a:r>
+            <a:endParaRPr lang="en-US" altLang="ko-KR"/>
           </a:p>
           <a:p>
             <a:pPr>
               <a:defRPr/>
             </a:pPr>
             <a:r>
-              <a:rPr lang="ko-KR" altLang="en-US" dirty="0"/>
+              <a:rPr lang="ko-KR" altLang="en-US"/>
               <a:t>다음 장에서 왜 </a:t>
             </a:r>
             <a:r>
-              <a:rPr lang="en-US" altLang="ko-KR" dirty="0"/>
+              <a:rPr lang="en-US" altLang="ko-KR"/>
               <a:t>Raspi5</a:t>
             </a:r>
             <a:r>
-              <a:rPr lang="ko-KR" altLang="en-US" dirty="0"/>
+              <a:rPr lang="ko-KR" altLang="en-US"/>
               <a:t>를 사용하는 지 설명 </a:t>
             </a:r>
-            <a:endParaRPr lang="en-US" altLang="ko-KR" dirty="0"/>
+            <a:endParaRPr lang="ko-KR" altLang="en-US"/>
+          </a:p>
+          <a:p>
+            <a:pPr>
+              <a:defRPr/>
+            </a:pPr>
+            <a:endParaRPr lang="ko-KR" altLang="en-US"/>
           </a:p>
         </p:txBody>
       </p:sp>
@@ -1418,35 +1361,41 @@
           <a:bodyPr/>
           <a:lstStyle/>
           <a:p>
+            <a:pPr lvl="0">
+              <a:defRPr/>
+            </a:pPr>
             <a:r>
               <a:rPr lang="ko-KR" altLang="en-US" dirty="0"/>
-              <a:t>가장 먼저 </a:t>
+              <a:t>현재 진행 상황은 라즈베리 파이</a:t>
             </a:r>
             <a:r>
               <a:rPr lang="en-US" altLang="ko-KR" dirty="0"/>
-              <a:t>Docker</a:t>
+              <a:t>4</a:t>
             </a:r>
             <a:r>
               <a:rPr lang="ko-KR" altLang="en-US" dirty="0"/>
-              <a:t> 환경을 </a:t>
+              <a:t>에 </a:t>
             </a:r>
             <a:r>
               <a:rPr lang="en-US" altLang="ko-KR" dirty="0" err="1"/>
-              <a:t>Raspi</a:t>
-            </a:r>
-            <a:r>
-              <a:rPr lang="ko-KR" altLang="en-US" dirty="0" err="1"/>
-              <a:t>에</a:t>
+              <a:t>dockerfile</a:t>
             </a:r>
             <a:r>
               <a:rPr lang="ko-KR" altLang="en-US" dirty="0"/>
-              <a:t> 구축하는 것으로 프로젝트 실행 했었다</a:t>
+              <a:t>을 이용해 이미지를 빌드 하여 </a:t>
+            </a:r>
+            <a:r>
+              <a:rPr lang="en-US" altLang="ko-KR" dirty="0"/>
+              <a:t>Run</a:t>
+            </a:r>
+            <a:r>
+              <a:rPr lang="ko-KR" altLang="en-US" dirty="0"/>
+              <a:t> 하는 프로토타입 제작에 힘을 쏟고 있습니다</a:t>
             </a:r>
             <a:r>
               <a:rPr lang="en-US" altLang="ko-KR" dirty="0"/>
               <a:t>.</a:t>
             </a:r>
-            <a:endParaRPr lang="ko-KR" altLang="en-US" dirty="0"/>
           </a:p>
         </p:txBody>
       </p:sp>
@@ -1467,7 +1416,7 @@
           <a:p>
             <a:fld id="{222DD552-84BF-4A8B-831D-8BB12717D5F3}" type="slidenum">
               <a:rPr lang="ko-KR" altLang="en-US" smtClean="0"/>
-              <a:t>8</a:t>
+              <a:t>10</a:t>
             </a:fld>
             <a:endParaRPr lang="ko-KR" altLang="en-US" dirty="0"/>
           </a:p>
@@ -1476,7 +1425,7 @@
     </p:spTree>
     <p:extLst>
       <p:ext uri="{BB962C8B-B14F-4D97-AF65-F5344CB8AC3E}">
-        <p14:creationId xmlns:p14="http://schemas.microsoft.com/office/powerpoint/2010/main" val="200070284"/>
+        <p14:creationId xmlns:p14="http://schemas.microsoft.com/office/powerpoint/2010/main" val="747583553"/>
       </p:ext>
     </p:extLst>
   </p:cSld>
@@ -1656,36 +1605,41 @@
             </a:pPr>
             <a:r>
               <a:rPr lang="ko-KR" altLang="en-US" dirty="0"/>
-              <a:t>현재 진행 상황은 라즈베리 파이</a:t>
+              <a:t>임베디드 시스템에서 사용하는 </a:t>
             </a:r>
             <a:r>
               <a:rPr lang="en-US" altLang="ko-KR" dirty="0"/>
-              <a:t>4</a:t>
+              <a:t>ONNX Runtime </a:t>
             </a:r>
             <a:r>
               <a:rPr lang="ko-KR" altLang="en-US" dirty="0"/>
-              <a:t>에 </a:t>
-            </a:r>
-            <a:r>
-              <a:rPr lang="en-US" altLang="ko-KR" dirty="0" err="1"/>
-              <a:t>dockerfile</a:t>
+              <a:t>프레임워크를 활용하여 </a:t>
+            </a:r>
+            <a:r>
+              <a:rPr lang="en-US" altLang="ko-KR" dirty="0"/>
+              <a:t>Raspi5</a:t>
             </a:r>
             <a:r>
               <a:rPr lang="ko-KR" altLang="en-US" dirty="0"/>
-              <a:t>을 이용해 이미지를 빌드 하여 </a:t>
+              <a:t>에 최적화된 </a:t>
             </a:r>
             <a:r>
               <a:rPr lang="en-US" altLang="ko-KR" dirty="0"/>
-              <a:t>Run</a:t>
+              <a:t>Computer Vision</a:t>
             </a:r>
             <a:r>
               <a:rPr lang="ko-KR" altLang="en-US" dirty="0"/>
-              <a:t> 하는 프로토타입 제작에 힘을 쏟고 있습니다</a:t>
+              <a:t>의 </a:t>
             </a:r>
             <a:r>
               <a:rPr lang="en-US" altLang="ko-KR" dirty="0"/>
-              <a:t>.</a:t>
-            </a:r>
+              <a:t>base model</a:t>
+            </a:r>
+            <a:r>
+              <a:rPr lang="ko-KR" altLang="en-US" dirty="0"/>
+              <a:t>들을 구현하는 것 까지가 단기적인 목표</a:t>
+            </a:r>
+            <a:endParaRPr lang="en-US" altLang="ko-KR" dirty="0"/>
           </a:p>
         </p:txBody>
       </p:sp>
@@ -1706,7 +1660,7 @@
           <a:p>
             <a:fld id="{222DD552-84BF-4A8B-831D-8BB12717D5F3}" type="slidenum">
               <a:rPr lang="ko-KR" altLang="en-US" smtClean="0"/>
-              <a:t>10</a:t>
+              <a:t>11</a:t>
             </a:fld>
             <a:endParaRPr lang="ko-KR" altLang="en-US" dirty="0"/>
           </a:p>
@@ -1715,7 +1669,7 @@
     </p:spTree>
     <p:extLst>
       <p:ext uri="{BB962C8B-B14F-4D97-AF65-F5344CB8AC3E}">
-        <p14:creationId xmlns:p14="http://schemas.microsoft.com/office/powerpoint/2010/main" val="747583553"/>
+        <p14:creationId xmlns:p14="http://schemas.microsoft.com/office/powerpoint/2010/main" val="964174448"/>
       </p:ext>
     </p:extLst>
   </p:cSld>
@@ -5333,619 +5287,7 @@
 </file>
 
 <file path=ppt/slides/slide10.xml><?xml version="1.0" encoding="utf-8"?>
-<p:sld xmlns:a="http://schemas.openxmlformats.org/drawingml/2006/main" xmlns:r="http://schemas.openxmlformats.org/officeDocument/2006/relationships" xmlns:p="http://schemas.openxmlformats.org/presentationml/2006/main">
-  <p:cSld>
-    <p:spTree>
-      <p:nvGrpSpPr>
-        <p:cNvPr id="1" name=""/>
-        <p:cNvGrpSpPr/>
-        <p:nvPr/>
-      </p:nvGrpSpPr>
-      <p:grpSpPr>
-        <a:xfrm>
-          <a:off x="0" y="0"/>
-          <a:ext cx="0" cy="0"/>
-          <a:chOff x="0" y="0"/>
-          <a:chExt cx="0" cy="0"/>
-        </a:xfrm>
-      </p:grpSpPr>
-      <p:sp>
-        <p:nvSpPr>
-          <p:cNvPr id="4" name="직사각형 3">
-            <a:extLst>
-              <a:ext uri="{FF2B5EF4-FFF2-40B4-BE49-F238E27FC236}">
-                <a16:creationId xmlns:a16="http://schemas.microsoft.com/office/drawing/2014/main" id="{9B1AB794-F9CB-B80A-B0F0-4A0E58A954E6}"/>
-              </a:ext>
-            </a:extLst>
-          </p:cNvPr>
-          <p:cNvSpPr/>
-          <p:nvPr/>
-        </p:nvSpPr>
-        <p:spPr>
-          <a:xfrm>
-            <a:off x="-33051" y="6260332"/>
-            <a:ext cx="12247086" cy="608685"/>
-          </a:xfrm>
-          <a:prstGeom prst="rect">
-            <a:avLst/>
-          </a:prstGeom>
-          <a:ln>
-            <a:solidFill>
-              <a:schemeClr val="tx2">
-                <a:lumMod val="50000"/>
-                <a:lumOff val="50000"/>
-              </a:schemeClr>
-            </a:solidFill>
-          </a:ln>
-        </p:spPr>
-        <p:style>
-          <a:lnRef idx="3">
-            <a:schemeClr val="lt1"/>
-          </a:lnRef>
-          <a:fillRef idx="1">
-            <a:schemeClr val="accent4"/>
-          </a:fillRef>
-          <a:effectRef idx="1">
-            <a:schemeClr val="accent4"/>
-          </a:effectRef>
-          <a:fontRef idx="minor">
-            <a:schemeClr val="lt1"/>
-          </a:fontRef>
-        </p:style>
-        <p:txBody>
-          <a:bodyPr rtlCol="0" anchor="ctr"/>
-          <a:lstStyle/>
-          <a:p>
-            <a:pPr algn="ctr"/>
-            <a:endParaRPr lang="ko-KR" altLang="en-US" dirty="0"/>
-          </a:p>
-        </p:txBody>
-      </p:sp>
-      <p:sp>
-        <p:nvSpPr>
-          <p:cNvPr id="5" name="직사각형 4">
-            <a:extLst>
-              <a:ext uri="{FF2B5EF4-FFF2-40B4-BE49-F238E27FC236}">
-                <a16:creationId xmlns:a16="http://schemas.microsoft.com/office/drawing/2014/main" id="{42D96261-EFE0-337B-C235-97B5A6E64F75}"/>
-              </a:ext>
-            </a:extLst>
-          </p:cNvPr>
-          <p:cNvSpPr/>
-          <p:nvPr/>
-        </p:nvSpPr>
-        <p:spPr>
-          <a:xfrm>
-            <a:off x="0" y="0"/>
-            <a:ext cx="724829" cy="763192"/>
-          </a:xfrm>
-          <a:prstGeom prst="rect">
-            <a:avLst/>
-          </a:prstGeom>
-          <a:solidFill>
-            <a:schemeClr val="tx2">
-              <a:lumMod val="50000"/>
-              <a:lumOff val="50000"/>
-            </a:schemeClr>
-          </a:solidFill>
-          <a:ln>
-            <a:noFill/>
-          </a:ln>
-        </p:spPr>
-        <p:style>
-          <a:lnRef idx="2">
-            <a:schemeClr val="accent1">
-              <a:shade val="50000"/>
-            </a:schemeClr>
-          </a:lnRef>
-          <a:fillRef idx="1">
-            <a:schemeClr val="accent1"/>
-          </a:fillRef>
-          <a:effectRef idx="0">
-            <a:schemeClr val="accent1"/>
-          </a:effectRef>
-          <a:fontRef idx="minor">
-            <a:schemeClr val="lt1"/>
-          </a:fontRef>
-        </p:style>
-        <p:txBody>
-          <a:bodyPr rtlCol="0" anchor="ctr"/>
-          <a:lstStyle/>
-          <a:p>
-            <a:pPr algn="ctr"/>
-            <a:endParaRPr lang="ko-KR" altLang="en-US" dirty="0"/>
-          </a:p>
-        </p:txBody>
-      </p:sp>
-      <p:sp>
-        <p:nvSpPr>
-          <p:cNvPr id="6" name="TextBox 5">
-            <a:extLst>
-              <a:ext uri="{FF2B5EF4-FFF2-40B4-BE49-F238E27FC236}">
-                <a16:creationId xmlns:a16="http://schemas.microsoft.com/office/drawing/2014/main" id="{63A3221C-0FE7-9D69-87B5-BB6B3CAC6F7C}"/>
-              </a:ext>
-            </a:extLst>
-          </p:cNvPr>
-          <p:cNvSpPr txBox="1"/>
-          <p:nvPr/>
-        </p:nvSpPr>
-        <p:spPr>
-          <a:xfrm>
-            <a:off x="802888" y="78059"/>
-            <a:ext cx="736997" cy="338554"/>
-          </a:xfrm>
-          <a:prstGeom prst="rect">
-            <a:avLst/>
-          </a:prstGeom>
-          <a:noFill/>
-        </p:spPr>
-        <p:txBody>
-          <a:bodyPr wrap="none" rtlCol="0">
-            <a:spAutoFit/>
-          </a:bodyPr>
-          <a:lstStyle/>
-          <a:p>
-            <a:r>
-              <a:rPr lang="en-US" altLang="ko-KR" sz="1600" dirty="0">
-                <a:solidFill>
-                  <a:schemeClr val="bg2">
-                    <a:lumMod val="25000"/>
-                  </a:schemeClr>
-                </a:solidFill>
-              </a:rPr>
-              <a:t>Part 3</a:t>
-            </a:r>
-            <a:endParaRPr lang="ko-KR" altLang="en-US" sz="1600" dirty="0">
-              <a:solidFill>
-                <a:schemeClr val="bg2">
-                  <a:lumMod val="25000"/>
-                </a:schemeClr>
-              </a:solidFill>
-            </a:endParaRPr>
-          </a:p>
-        </p:txBody>
-      </p:sp>
-      <p:sp>
-        <p:nvSpPr>
-          <p:cNvPr id="7" name="TextBox 6">
-            <a:extLst>
-              <a:ext uri="{FF2B5EF4-FFF2-40B4-BE49-F238E27FC236}">
-                <a16:creationId xmlns:a16="http://schemas.microsoft.com/office/drawing/2014/main" id="{D5AC7425-ACD3-A33C-AF7E-7778BA417A3E}"/>
-              </a:ext>
-            </a:extLst>
-          </p:cNvPr>
-          <p:cNvSpPr txBox="1"/>
-          <p:nvPr/>
-        </p:nvSpPr>
-        <p:spPr>
-          <a:xfrm>
-            <a:off x="802888" y="363082"/>
-            <a:ext cx="3526741" cy="400110"/>
-          </a:xfrm>
-          <a:prstGeom prst="rect">
-            <a:avLst/>
-          </a:prstGeom>
-          <a:noFill/>
-        </p:spPr>
-        <p:txBody>
-          <a:bodyPr wrap="square" rtlCol="0">
-            <a:spAutoFit/>
-          </a:bodyPr>
-          <a:lstStyle/>
-          <a:p>
-            <a:r>
-              <a:rPr lang="ko-KR" altLang="en-US" sz="2000" spc="600" dirty="0">
-                <a:solidFill>
-                  <a:schemeClr val="bg2">
-                    <a:lumMod val="25000"/>
-                  </a:schemeClr>
-                </a:solidFill>
-              </a:rPr>
-              <a:t>진행 상황</a:t>
-            </a:r>
-          </a:p>
-        </p:txBody>
-      </p:sp>
-      <p:sp>
-        <p:nvSpPr>
-          <p:cNvPr id="28" name="TextBox 27">
-            <a:extLst>
-              <a:ext uri="{FF2B5EF4-FFF2-40B4-BE49-F238E27FC236}">
-                <a16:creationId xmlns:a16="http://schemas.microsoft.com/office/drawing/2014/main" id="{12A2A166-F57A-4E7B-1914-1A88DB492C79}"/>
-              </a:ext>
-            </a:extLst>
-          </p:cNvPr>
-          <p:cNvSpPr txBox="1"/>
-          <p:nvPr/>
-        </p:nvSpPr>
-        <p:spPr>
-          <a:xfrm>
-            <a:off x="9498688" y="3336681"/>
-            <a:ext cx="311376" cy="318934"/>
-          </a:xfrm>
-          <a:prstGeom prst="rect">
-            <a:avLst/>
-          </a:prstGeom>
-          <a:noFill/>
-        </p:spPr>
-        <p:txBody>
-          <a:bodyPr wrap="none" rtlCol="0">
-            <a:spAutoFit/>
-          </a:bodyPr>
-          <a:lstStyle/>
-          <a:p>
-            <a:pPr algn="ctr"/>
-            <a:r>
-              <a:rPr lang="en-US" altLang="ko-KR" sz="2000" b="1" dirty="0">
-                <a:solidFill>
-                  <a:schemeClr val="bg1"/>
-                </a:solidFill>
-              </a:rPr>
-              <a:t>2</a:t>
-            </a:r>
-            <a:endParaRPr lang="ko-KR" altLang="en-US" sz="2000" b="1" dirty="0">
-              <a:solidFill>
-                <a:schemeClr val="bg1"/>
-              </a:solidFill>
-            </a:endParaRPr>
-          </a:p>
-        </p:txBody>
-      </p:sp>
-      <p:grpSp>
-        <p:nvGrpSpPr>
-          <p:cNvPr id="21" name="그룹 20">
-            <a:extLst>
-              <a:ext uri="{FF2B5EF4-FFF2-40B4-BE49-F238E27FC236}">
-                <a16:creationId xmlns:a16="http://schemas.microsoft.com/office/drawing/2014/main" id="{4073A94D-1689-D928-7FCB-CAFC02C40880}"/>
-              </a:ext>
-            </a:extLst>
-          </p:cNvPr>
-          <p:cNvGrpSpPr/>
-          <p:nvPr/>
-        </p:nvGrpSpPr>
-        <p:grpSpPr>
-          <a:xfrm>
-            <a:off x="251213" y="840091"/>
-            <a:ext cx="10558459" cy="4899923"/>
-            <a:chOff x="251213" y="840091"/>
-            <a:chExt cx="10558459" cy="4899923"/>
-          </a:xfrm>
-        </p:grpSpPr>
-        <p:sp>
-          <p:nvSpPr>
-            <p:cNvPr id="11" name="화살표: 굽음 10">
-              <a:extLst>
-                <a:ext uri="{FF2B5EF4-FFF2-40B4-BE49-F238E27FC236}">
-                  <a16:creationId xmlns:a16="http://schemas.microsoft.com/office/drawing/2014/main" id="{DEACA44D-C782-F169-93BF-E1DADB43E134}"/>
-                </a:ext>
-              </a:extLst>
-            </p:cNvPr>
-            <p:cNvSpPr/>
-            <p:nvPr/>
-          </p:nvSpPr>
-          <p:spPr>
-            <a:xfrm>
-              <a:off x="1382328" y="2098732"/>
-              <a:ext cx="1147762" cy="1330268"/>
-            </a:xfrm>
-            <a:prstGeom prst="bentArrow">
-              <a:avLst>
-                <a:gd name="adj1" fmla="val 23611"/>
-                <a:gd name="adj2" fmla="val 22916"/>
-                <a:gd name="adj3" fmla="val 27779"/>
-                <a:gd name="adj4" fmla="val 42361"/>
-              </a:avLst>
-            </a:prstGeom>
-            <a:solidFill>
-              <a:schemeClr val="accent1">
-                <a:lumMod val="60000"/>
-                <a:lumOff val="40000"/>
-              </a:schemeClr>
-            </a:solidFill>
-            <a:ln>
-              <a:noFill/>
-            </a:ln>
-          </p:spPr>
-          <p:style>
-            <a:lnRef idx="2">
-              <a:schemeClr val="accent1">
-                <a:shade val="15000"/>
-              </a:schemeClr>
-            </a:lnRef>
-            <a:fillRef idx="1">
-              <a:schemeClr val="accent1"/>
-            </a:fillRef>
-            <a:effectRef idx="0">
-              <a:schemeClr val="accent1"/>
-            </a:effectRef>
-            <a:fontRef idx="minor">
-              <a:schemeClr val="lt1"/>
-            </a:fontRef>
-          </p:style>
-          <p:txBody>
-            <a:bodyPr rtlCol="0" anchor="ctr"/>
-            <a:lstStyle/>
-            <a:p>
-              <a:pPr algn="ctr"/>
-              <a:endParaRPr lang="ko-KR" altLang="en-US">
-                <a:solidFill>
-                  <a:schemeClr val="tx1"/>
-                </a:solidFill>
-              </a:endParaRPr>
-            </a:p>
-          </p:txBody>
-        </p:sp>
-        <p:grpSp>
-          <p:nvGrpSpPr>
-            <p:cNvPr id="19" name="그룹 18">
-              <a:extLst>
-                <a:ext uri="{FF2B5EF4-FFF2-40B4-BE49-F238E27FC236}">
-                  <a16:creationId xmlns:a16="http://schemas.microsoft.com/office/drawing/2014/main" id="{030D48C3-6D4C-6BE9-BDB9-3D3A3CAEC583}"/>
-                </a:ext>
-              </a:extLst>
-            </p:cNvPr>
-            <p:cNvGrpSpPr/>
-            <p:nvPr/>
-          </p:nvGrpSpPr>
-          <p:grpSpPr>
-            <a:xfrm>
-              <a:off x="251213" y="3655615"/>
-              <a:ext cx="2834888" cy="2084399"/>
-              <a:chOff x="122625" y="2733925"/>
-              <a:chExt cx="2904953" cy="2301919"/>
-            </a:xfrm>
-          </p:grpSpPr>
-          <p:pic>
-            <p:nvPicPr>
-              <p:cNvPr id="16" name="그림 15">
-                <a:extLst>
-                  <a:ext uri="{FF2B5EF4-FFF2-40B4-BE49-F238E27FC236}">
-                    <a16:creationId xmlns:a16="http://schemas.microsoft.com/office/drawing/2014/main" id="{A7249A97-531A-A881-FED0-123F74FDDEB0}"/>
-                  </a:ext>
-                </a:extLst>
-              </p:cNvPr>
-              <p:cNvPicPr>
-                <a:picLocks noChangeAspect="1"/>
-              </p:cNvPicPr>
-              <p:nvPr/>
-            </p:nvPicPr>
-            <p:blipFill>
-              <a:blip r:embed="rId3"/>
-              <a:stretch>
-                <a:fillRect/>
-              </a:stretch>
-            </p:blipFill>
-            <p:spPr>
-              <a:xfrm>
-                <a:off x="1199953" y="2733925"/>
-                <a:ext cx="1827625" cy="1843380"/>
-              </a:xfrm>
-              <a:prstGeom prst="rect">
-                <a:avLst/>
-              </a:prstGeom>
-            </p:spPr>
-          </p:pic>
-          <p:pic>
-            <p:nvPicPr>
-              <p:cNvPr id="17" name="그림 16">
-                <a:extLst>
-                  <a:ext uri="{FF2B5EF4-FFF2-40B4-BE49-F238E27FC236}">
-                    <a16:creationId xmlns:a16="http://schemas.microsoft.com/office/drawing/2014/main" id="{72C5ACC9-970D-32E2-343E-88209C2CFF13}"/>
-                  </a:ext>
-                </a:extLst>
-              </p:cNvPr>
-              <p:cNvPicPr>
-                <a:picLocks noChangeAspect="1"/>
-              </p:cNvPicPr>
-              <p:nvPr/>
-            </p:nvPicPr>
-            <p:blipFill>
-              <a:blip r:embed="rId4"/>
-              <a:stretch>
-                <a:fillRect/>
-              </a:stretch>
-            </p:blipFill>
-            <p:spPr>
-              <a:xfrm>
-                <a:off x="122625" y="3832693"/>
-                <a:ext cx="1360525" cy="1203151"/>
-              </a:xfrm>
-              <a:prstGeom prst="rect">
-                <a:avLst/>
-              </a:prstGeom>
-            </p:spPr>
-          </p:pic>
-        </p:grpSp>
-        <p:grpSp>
-          <p:nvGrpSpPr>
-            <p:cNvPr id="13" name="그룹 12">
-              <a:extLst>
-                <a:ext uri="{FF2B5EF4-FFF2-40B4-BE49-F238E27FC236}">
-                  <a16:creationId xmlns:a16="http://schemas.microsoft.com/office/drawing/2014/main" id="{31013B47-F0EB-C690-BBB7-083186169489}"/>
-                </a:ext>
-              </a:extLst>
-            </p:cNvPr>
-            <p:cNvGrpSpPr/>
-            <p:nvPr/>
-          </p:nvGrpSpPr>
-          <p:grpSpPr>
-            <a:xfrm>
-              <a:off x="2792043" y="840091"/>
-              <a:ext cx="8017629" cy="2751241"/>
-              <a:chOff x="2792043" y="763191"/>
-              <a:chExt cx="6276683" cy="2751241"/>
-            </a:xfrm>
-          </p:grpSpPr>
-          <p:pic>
-            <p:nvPicPr>
-              <p:cNvPr id="10" name="그림 9">
-                <a:extLst>
-                  <a:ext uri="{FF2B5EF4-FFF2-40B4-BE49-F238E27FC236}">
-                    <a16:creationId xmlns:a16="http://schemas.microsoft.com/office/drawing/2014/main" id="{A3ECEE2E-58FC-55D9-8658-A24BCBC552EA}"/>
-                  </a:ext>
-                </a:extLst>
-              </p:cNvPr>
-              <p:cNvPicPr>
-                <a:picLocks noChangeAspect="1"/>
-              </p:cNvPicPr>
-              <p:nvPr/>
-            </p:nvPicPr>
-            <p:blipFill>
-              <a:blip r:embed="rId5"/>
-              <a:stretch>
-                <a:fillRect/>
-              </a:stretch>
-            </p:blipFill>
-            <p:spPr>
-              <a:xfrm>
-                <a:off x="2949599" y="930856"/>
-                <a:ext cx="6119127" cy="2583576"/>
-              </a:xfrm>
-              <a:prstGeom prst="rect">
-                <a:avLst/>
-              </a:prstGeom>
-            </p:spPr>
-          </p:pic>
-          <p:pic>
-            <p:nvPicPr>
-              <p:cNvPr id="3" name="그림 2" descr="텍스트, 스크린샷, 폰트이(가) 표시된 사진&#10;&#10;자동 생성된 설명">
-                <a:extLst>
-                  <a:ext uri="{FF2B5EF4-FFF2-40B4-BE49-F238E27FC236}">
-                    <a16:creationId xmlns:a16="http://schemas.microsoft.com/office/drawing/2014/main" id="{013F5E72-B894-9045-20A1-F8E840DA8A81}"/>
-                  </a:ext>
-                </a:extLst>
-              </p:cNvPr>
-              <p:cNvPicPr>
-                <a:picLocks noChangeAspect="1"/>
-              </p:cNvPicPr>
-              <p:nvPr/>
-            </p:nvPicPr>
-            <p:blipFill>
-              <a:blip r:embed="rId6" cstate="print">
-                <a:extLst>
-                  <a:ext uri="{28A0092B-C50C-407E-A947-70E740481C1C}">
-                    <a14:useLocalDpi xmlns:a14="http://schemas.microsoft.com/office/drawing/2010/main" val="0"/>
-                  </a:ext>
-                </a:extLst>
-              </a:blip>
-              <a:stretch>
-                <a:fillRect/>
-              </a:stretch>
-            </p:blipFill>
-            <p:spPr>
-              <a:xfrm>
-                <a:off x="2792043" y="763191"/>
-                <a:ext cx="1615645" cy="2224879"/>
-              </a:xfrm>
-              <a:prstGeom prst="rect">
-                <a:avLst/>
-              </a:prstGeom>
-            </p:spPr>
-          </p:pic>
-        </p:grpSp>
-        <p:pic>
-          <p:nvPicPr>
-            <p:cNvPr id="9" name="그림 8">
-              <a:extLst>
-                <a:ext uri="{FF2B5EF4-FFF2-40B4-BE49-F238E27FC236}">
-                  <a16:creationId xmlns:a16="http://schemas.microsoft.com/office/drawing/2014/main" id="{4B5FDF0A-D3EA-4AAE-F546-4B7C2DC97B0A}"/>
-                </a:ext>
-              </a:extLst>
-            </p:cNvPr>
-            <p:cNvPicPr>
-              <a:picLocks noChangeAspect="1"/>
-            </p:cNvPicPr>
-            <p:nvPr/>
-          </p:nvPicPr>
-          <p:blipFill>
-            <a:blip r:embed="rId7"/>
-            <a:stretch>
-              <a:fillRect/>
-            </a:stretch>
-          </p:blipFill>
-          <p:spPr>
-            <a:xfrm>
-              <a:off x="3823929" y="3815959"/>
-              <a:ext cx="1503776" cy="1669191"/>
-            </a:xfrm>
-            <a:prstGeom prst="rect">
-              <a:avLst/>
-            </a:prstGeom>
-          </p:spPr>
-        </p:pic>
-        <p:sp>
-          <p:nvSpPr>
-            <p:cNvPr id="12" name="화살표: 오른쪽 11">
-              <a:extLst>
-                <a:ext uri="{FF2B5EF4-FFF2-40B4-BE49-F238E27FC236}">
-                  <a16:creationId xmlns:a16="http://schemas.microsoft.com/office/drawing/2014/main" id="{03DE1DA7-ACB1-3803-313E-F3DF9D8D5CB3}"/>
-                </a:ext>
-              </a:extLst>
-            </p:cNvPr>
-            <p:cNvSpPr/>
-            <p:nvPr/>
-          </p:nvSpPr>
-          <p:spPr>
-            <a:xfrm rot="18373321">
-              <a:off x="4866622" y="2839293"/>
-              <a:ext cx="1172178" cy="451353"/>
-            </a:xfrm>
-            <a:prstGeom prst="rightArrow">
-              <a:avLst>
-                <a:gd name="adj1" fmla="val 50000"/>
-                <a:gd name="adj2" fmla="val 64853"/>
-              </a:avLst>
-            </a:prstGeom>
-            <a:solidFill>
-              <a:schemeClr val="accent1">
-                <a:lumMod val="60000"/>
-                <a:lumOff val="40000"/>
-              </a:schemeClr>
-            </a:solidFill>
-            <a:ln>
-              <a:noFill/>
-            </a:ln>
-          </p:spPr>
-          <p:style>
-            <a:lnRef idx="2">
-              <a:schemeClr val="accent1">
-                <a:shade val="15000"/>
-              </a:schemeClr>
-            </a:lnRef>
-            <a:fillRef idx="1">
-              <a:schemeClr val="accent1"/>
-            </a:fillRef>
-            <a:effectRef idx="0">
-              <a:schemeClr val="accent1"/>
-            </a:effectRef>
-            <a:fontRef idx="minor">
-              <a:schemeClr val="lt1"/>
-            </a:fontRef>
-          </p:style>
-          <p:txBody>
-            <a:bodyPr rtlCol="0" anchor="ctr"/>
-            <a:lstStyle/>
-            <a:p>
-              <a:pPr algn="ctr"/>
-              <a:endParaRPr lang="ko-KR" altLang="en-US" dirty="0"/>
-            </a:p>
-          </p:txBody>
-        </p:sp>
-      </p:grpSp>
-    </p:spTree>
-    <p:extLst>
-      <p:ext uri="{BB962C8B-B14F-4D97-AF65-F5344CB8AC3E}">
-        <p14:creationId xmlns:p14="http://schemas.microsoft.com/office/powerpoint/2010/main" val="3476104518"/>
-      </p:ext>
-    </p:extLst>
-  </p:cSld>
-  <p:clrMapOvr>
-    <a:masterClrMapping/>
-  </p:clrMapOvr>
-</p:sld>
-</file>
-
-<file path=ppt/slides/slide11.xml><?xml version="1.0" encoding="utf-8"?>
-<p:sld xmlns:a="http://schemas.openxmlformats.org/drawingml/2006/main" xmlns:r="http://schemas.openxmlformats.org/officeDocument/2006/relationships" xmlns:p="http://schemas.openxmlformats.org/presentationml/2006/main">
+<p:sld xmlns:r="http://schemas.openxmlformats.org/officeDocument/2006/relationships" xmlns:c="http://schemas.openxmlformats.org/drawingml/2006/chart" xmlns:a="http://schemas.openxmlformats.org/drawingml/2006/main" xmlns:dgm="http://schemas.openxmlformats.org/drawingml/2006/diagram" xmlns:dsp="http://schemas.microsoft.com/office/drawing/2008/diagram" xmlns:p="http://schemas.openxmlformats.org/presentationml/2006/main">
   <p:cSld>
     <p:spTree>
       <p:nvGrpSpPr>
@@ -6662,10 +6004,18 @@
   <p:clrMapOvr>
     <a:masterClrMapping/>
   </p:clrMapOvr>
+  <mc:AlternateContent xmlns:mc="http://schemas.openxmlformats.org/markup-compatibility/2006">
+    <mc:Choice xmlns:p14="http://schemas.microsoft.com/office/powerpoint/2010/main" Requires="p14">
+      <p:transition xmlns:mc="http://schemas.openxmlformats.org/markup-compatibility/2006" xmlns:p14="http://schemas.microsoft.com/office/powerpoint/2010/main" mc:Ignorable="p14" p14:dur="500"/>
+    </mc:Choice>
+    <mc:Fallback>
+      <p:transition/>
+    </mc:Fallback>
+  </mc:AlternateContent>
 </p:sld>
 </file>
 
-<file path=ppt/slides/slide12.xml><?xml version="1.0" encoding="utf-8"?>
+<file path=ppt/slides/slide11.xml><?xml version="1.0" encoding="utf-8"?>
 <p:sld xmlns:a="http://schemas.openxmlformats.org/drawingml/2006/main" xmlns:r="http://schemas.openxmlformats.org/officeDocument/2006/relationships" xmlns:p="http://schemas.openxmlformats.org/presentationml/2006/main">
   <p:cSld>
     <p:spTree>
@@ -10166,7 +9516,7 @@
 </file>
 
 <file path=ppt/slides/slide6.xml><?xml version="1.0" encoding="utf-8"?>
-<p:sld xmlns:a="http://schemas.openxmlformats.org/drawingml/2006/main" xmlns:r="http://schemas.openxmlformats.org/officeDocument/2006/relationships" xmlns:p="http://schemas.openxmlformats.org/presentationml/2006/main">
+<p:sld xmlns:r="http://schemas.openxmlformats.org/officeDocument/2006/relationships" xmlns:c="http://schemas.openxmlformats.org/drawingml/2006/chart" xmlns:a="http://schemas.openxmlformats.org/drawingml/2006/main" xmlns:dgm="http://schemas.openxmlformats.org/drawingml/2006/diagram" xmlns:dsp="http://schemas.microsoft.com/office/drawing/2008/diagram" xmlns:p="http://schemas.openxmlformats.org/presentationml/2006/main">
   <p:cSld>
     <p:spTree>
       <p:nvGrpSpPr>
@@ -10346,7 +9696,7 @@
         <p:spPr>
           <a:xfrm>
             <a:off x="802888" y="363082"/>
-            <a:ext cx="3850392" cy="400110"/>
+            <a:ext cx="2802642" cy="387488"/>
           </a:xfrm>
           <a:prstGeom prst="rect">
             <a:avLst/>
@@ -10363,15 +9713,22 @@
               <a:defRPr/>
             </a:pPr>
             <a:r>
-              <a:rPr lang="ko-KR" altLang="en-US" sz="2000" spc="600" dirty="0">
+              <a:rPr lang="ko-KR" altLang="en-US" sz="2000" spc="600">
                 <a:solidFill>
                   <a:schemeClr val="bg2">
                     <a:lumMod val="25000"/>
                   </a:schemeClr>
                 </a:solidFill>
               </a:rPr>
-              <a:t>프로젝트의 장점과 수요</a:t>
-            </a:r>
+              <a:t>프로젝트의 장점</a:t>
+            </a:r>
+            <a:endParaRPr lang="ko-KR" altLang="en-US" sz="2000" spc="600">
+              <a:solidFill>
+                <a:schemeClr val="bg2">
+                  <a:lumMod val="25000"/>
+                </a:schemeClr>
+              </a:solidFill>
+            </a:endParaRPr>
           </a:p>
         </p:txBody>
       </p:sp>
@@ -10422,18 +9779,12 @@
       </p:sp>
       <p:grpSp>
         <p:nvGrpSpPr>
-          <p:cNvPr id="22" name="그룹 21">
-            <a:extLst>
-              <a:ext uri="{FF2B5EF4-FFF2-40B4-BE49-F238E27FC236}">
-                <a16:creationId xmlns:a16="http://schemas.microsoft.com/office/drawing/2014/main" id="{20661681-3CA5-991C-979C-593B6A6D6880}"/>
-              </a:ext>
-            </a:extLst>
-          </p:cNvPr>
+          <p:cNvPr id="22" name="그룹 21"/>
           <p:cNvGrpSpPr/>
           <p:nvPr/>
         </p:nvGrpSpPr>
         <p:grpSpPr>
-          <a:xfrm>
+          <a:xfrm rot="0">
             <a:off x="724829" y="1944477"/>
             <a:ext cx="5092700" cy="2748708"/>
             <a:chOff x="724829" y="1371600"/>
@@ -10442,18 +9793,12 @@
         </p:grpSpPr>
         <p:grpSp>
           <p:nvGrpSpPr>
-            <p:cNvPr id="2" name="그룹 1">
-              <a:extLst>
-                <a:ext uri="{FF2B5EF4-FFF2-40B4-BE49-F238E27FC236}">
-                  <a16:creationId xmlns:a16="http://schemas.microsoft.com/office/drawing/2014/main" id="{964546D0-2194-484C-00BD-0490D7FE911A}"/>
-                </a:ext>
-              </a:extLst>
-            </p:cNvPr>
+            <p:cNvPr id="2" name="그룹 1"/>
             <p:cNvGrpSpPr/>
             <p:nvPr/>
           </p:nvGrpSpPr>
           <p:grpSpPr>
-            <a:xfrm>
+            <a:xfrm rot="0">
               <a:off x="724829" y="1371600"/>
               <a:ext cx="5092700" cy="2748708"/>
               <a:chOff x="724829" y="1371600"/>
@@ -10462,305 +9807,7 @@
           </p:grpSpPr>
           <p:sp>
             <p:nvSpPr>
-              <p:cNvPr id="3" name="직사각형 2">
-                <a:extLst>
-                  <a:ext uri="{FF2B5EF4-FFF2-40B4-BE49-F238E27FC236}">
-                    <a16:creationId xmlns:a16="http://schemas.microsoft.com/office/drawing/2014/main" id="{FE6EAAAF-BC9E-B444-336B-C32591075BD6}"/>
-                  </a:ext>
-                </a:extLst>
-              </p:cNvPr>
-              <p:cNvSpPr/>
-              <p:nvPr/>
-            </p:nvSpPr>
-            <p:spPr>
-              <a:xfrm>
-                <a:off x="724829" y="1855021"/>
-                <a:ext cx="5092700" cy="2265287"/>
-              </a:xfrm>
-              <a:prstGeom prst="rect">
-                <a:avLst/>
-              </a:prstGeom>
-              <a:solidFill>
-                <a:schemeClr val="tx2">
-                  <a:lumMod val="10000"/>
-                  <a:lumOff val="90000"/>
-                </a:schemeClr>
-              </a:solidFill>
-              <a:ln>
-                <a:noFill/>
-              </a:ln>
-            </p:spPr>
-            <p:style>
-              <a:lnRef idx="2">
-                <a:schemeClr val="accent1">
-                  <a:shade val="50000"/>
-                </a:schemeClr>
-              </a:lnRef>
-              <a:fillRef idx="1">
-                <a:schemeClr val="accent1"/>
-              </a:fillRef>
-              <a:effectRef idx="0">
-                <a:schemeClr val="accent1"/>
-              </a:effectRef>
-              <a:fontRef idx="minor">
-                <a:schemeClr val="lt1"/>
-              </a:fontRef>
-            </p:style>
-            <p:txBody>
-              <a:bodyPr rtlCol="0" anchor="ctr"/>
-              <a:lstStyle/>
-              <a:p>
-                <a:pPr algn="ctr" latinLnBrk="0"/>
-                <a:endParaRPr lang="ko-KR" altLang="en-US" dirty="0"/>
-              </a:p>
-            </p:txBody>
-          </p:sp>
-          <p:sp>
-            <p:nvSpPr>
-              <p:cNvPr id="9" name="직사각형 8">
-                <a:extLst>
-                  <a:ext uri="{FF2B5EF4-FFF2-40B4-BE49-F238E27FC236}">
-                    <a16:creationId xmlns:a16="http://schemas.microsoft.com/office/drawing/2014/main" id="{0DC929B2-9B4B-593A-B174-0F3DFC89C374}"/>
-                  </a:ext>
-                </a:extLst>
-              </p:cNvPr>
-              <p:cNvSpPr/>
-              <p:nvPr/>
-            </p:nvSpPr>
-            <p:spPr>
-              <a:xfrm>
-                <a:off x="724829" y="1371600"/>
-                <a:ext cx="5092700" cy="483421"/>
-              </a:xfrm>
-              <a:prstGeom prst="rect">
-                <a:avLst/>
-              </a:prstGeom>
-              <a:solidFill>
-                <a:schemeClr val="tx2">
-                  <a:lumMod val="75000"/>
-                  <a:lumOff val="25000"/>
-                </a:schemeClr>
-              </a:solidFill>
-              <a:ln>
-                <a:noFill/>
-              </a:ln>
-            </p:spPr>
-            <p:style>
-              <a:lnRef idx="2">
-                <a:schemeClr val="accent1">
-                  <a:shade val="50000"/>
-                </a:schemeClr>
-              </a:lnRef>
-              <a:fillRef idx="1">
-                <a:schemeClr val="accent1"/>
-              </a:fillRef>
-              <a:effectRef idx="0">
-                <a:schemeClr val="accent1"/>
-              </a:effectRef>
-              <a:fontRef idx="minor">
-                <a:schemeClr val="lt1"/>
-              </a:fontRef>
-            </p:style>
-            <p:txBody>
-              <a:bodyPr rtlCol="0" anchor="ctr"/>
-              <a:lstStyle/>
-              <a:p>
-                <a:pPr algn="ctr" latinLnBrk="0"/>
-                <a:r>
-                  <a:rPr lang="ko-KR" altLang="en-US" dirty="0"/>
-                  <a:t>제한적인 서버 설치 공간에서의 수요</a:t>
-                </a:r>
-              </a:p>
-            </p:txBody>
-          </p:sp>
-          <p:sp>
-            <p:nvSpPr>
-              <p:cNvPr id="12" name="TextBox 11">
-                <a:extLst>
-                  <a:ext uri="{FF2B5EF4-FFF2-40B4-BE49-F238E27FC236}">
-                    <a16:creationId xmlns:a16="http://schemas.microsoft.com/office/drawing/2014/main" id="{C7D5E98A-1ADB-CB5E-DCD2-A5A63E545AC2}"/>
-                  </a:ext>
-                </a:extLst>
-              </p:cNvPr>
-              <p:cNvSpPr txBox="1"/>
-              <p:nvPr/>
-            </p:nvSpPr>
-            <p:spPr>
-              <a:xfrm>
-                <a:off x="3178812" y="1413255"/>
-                <a:ext cx="184730" cy="400110"/>
-              </a:xfrm>
-              <a:prstGeom prst="rect">
-                <a:avLst/>
-              </a:prstGeom>
-              <a:noFill/>
-            </p:spPr>
-            <p:txBody>
-              <a:bodyPr wrap="none" rtlCol="0">
-                <a:spAutoFit/>
-              </a:bodyPr>
-              <a:lstStyle/>
-              <a:p>
-                <a:pPr algn="ctr" latinLnBrk="0"/>
-                <a:endParaRPr lang="ko-KR" altLang="en-US" sz="2000" dirty="0">
-                  <a:solidFill>
-                    <a:schemeClr val="bg1"/>
-                  </a:solidFill>
-                </a:endParaRPr>
-              </a:p>
-            </p:txBody>
-          </p:sp>
-          <p:sp>
-            <p:nvSpPr>
-              <p:cNvPr id="13" name="TextBox 12">
-                <a:extLst>
-                  <a:ext uri="{FF2B5EF4-FFF2-40B4-BE49-F238E27FC236}">
-                    <a16:creationId xmlns:a16="http://schemas.microsoft.com/office/drawing/2014/main" id="{573C7AAC-7593-E292-11E8-E0BF0B564B45}"/>
-                  </a:ext>
-                </a:extLst>
-              </p:cNvPr>
-              <p:cNvSpPr txBox="1"/>
-              <p:nvPr/>
-            </p:nvSpPr>
-            <p:spPr>
-              <a:xfrm>
-                <a:off x="959777" y="2082635"/>
-                <a:ext cx="4622800" cy="307777"/>
-              </a:xfrm>
-              <a:prstGeom prst="rect">
-                <a:avLst/>
-              </a:prstGeom>
-              <a:noFill/>
-            </p:spPr>
-            <p:txBody>
-              <a:bodyPr wrap="square" rtlCol="0">
-                <a:spAutoFit/>
-              </a:bodyPr>
-              <a:lstStyle/>
-              <a:p>
-                <a:pPr algn="just" latinLnBrk="0"/>
-                <a:endParaRPr lang="ko-KR" altLang="en-US" sz="1400" dirty="0"/>
-              </a:p>
-            </p:txBody>
-          </p:sp>
-        </p:grpSp>
-        <p:sp>
-          <p:nvSpPr>
-            <p:cNvPr id="18" name="TextBox 17">
-              <a:extLst>
-                <a:ext uri="{FF2B5EF4-FFF2-40B4-BE49-F238E27FC236}">
-                  <a16:creationId xmlns:a16="http://schemas.microsoft.com/office/drawing/2014/main" id="{23A6EBFA-ED5A-60FD-5596-C007B9BDC020}"/>
-                </a:ext>
-              </a:extLst>
-            </p:cNvPr>
-            <p:cNvSpPr txBox="1"/>
-            <p:nvPr/>
-          </p:nvSpPr>
-          <p:spPr>
-            <a:xfrm>
-              <a:off x="908713" y="2055864"/>
-              <a:ext cx="4724927" cy="1477328"/>
-            </a:xfrm>
-            <a:prstGeom prst="rect">
-              <a:avLst/>
-            </a:prstGeom>
-            <a:noFill/>
-          </p:spPr>
-          <p:txBody>
-            <a:bodyPr wrap="square">
-              <a:spAutoFit/>
-            </a:bodyPr>
-            <a:lstStyle/>
-            <a:p>
-              <a:pPr marL="342900" indent="-342900" latinLnBrk="0">
-                <a:buAutoNum type="arabicPeriod"/>
-              </a:pPr>
-              <a:r>
-                <a:rPr lang="ko-KR" altLang="en-US" dirty="0">
-                  <a:solidFill>
-                    <a:schemeClr val="bg2">
-                      <a:lumMod val="25000"/>
-                    </a:schemeClr>
-                  </a:solidFill>
-                </a:rPr>
-                <a:t>재난 현장에서 응급 구조를 위해 사용되는 의료 장비</a:t>
-              </a:r>
-              <a:endParaRPr lang="en-US" altLang="ko-KR" dirty="0">
-                <a:solidFill>
-                  <a:schemeClr val="bg2">
-                    <a:lumMod val="25000"/>
-                  </a:schemeClr>
-                </a:solidFill>
-              </a:endParaRPr>
-            </a:p>
-            <a:p>
-              <a:pPr marL="342900" indent="-342900" latinLnBrk="0">
-                <a:buAutoNum type="arabicPeriod"/>
-              </a:pPr>
-              <a:endParaRPr lang="en-US" altLang="ko-KR" dirty="0">
-                <a:solidFill>
-                  <a:schemeClr val="bg2">
-                    <a:lumMod val="25000"/>
-                  </a:schemeClr>
-                </a:solidFill>
-              </a:endParaRPr>
-            </a:p>
-            <a:p>
-              <a:pPr marL="342900" indent="-342900" latinLnBrk="0">
-                <a:buAutoNum type="arabicPeriod"/>
-              </a:pPr>
-              <a:r>
-                <a:rPr lang="ko-KR" altLang="en-US" dirty="0">
-                  <a:solidFill>
-                    <a:schemeClr val="bg2">
-                      <a:lumMod val="25000"/>
-                    </a:schemeClr>
-                  </a:solidFill>
-                </a:rPr>
-                <a:t>인터넷이 연결되지 않은 환경에서 보안 시스템을 구축</a:t>
-              </a:r>
-              <a:endParaRPr lang="en-US" altLang="ko-KR" dirty="0">
-                <a:solidFill>
-                  <a:schemeClr val="bg2">
-                    <a:lumMod val="25000"/>
-                  </a:schemeClr>
-                </a:solidFill>
-              </a:endParaRPr>
-            </a:p>
-          </p:txBody>
-        </p:sp>
-      </p:grpSp>
-      <p:grpSp>
-        <p:nvGrpSpPr>
-          <p:cNvPr id="23" name="그룹 22"/>
-          <p:cNvGrpSpPr/>
-          <p:nvPr/>
-        </p:nvGrpSpPr>
-        <p:grpSpPr>
-          <a:xfrm>
-            <a:off x="6374473" y="1944477"/>
-            <a:ext cx="5092700" cy="2748708"/>
-            <a:chOff x="724829" y="1371600"/>
-            <a:chExt cx="5092700" cy="2748708"/>
-          </a:xfrm>
-        </p:grpSpPr>
-        <p:grpSp>
-          <p:nvGrpSpPr>
-            <p:cNvPr id="24" name="그룹 23"/>
-            <p:cNvGrpSpPr/>
-            <p:nvPr/>
-          </p:nvGrpSpPr>
-          <p:grpSpPr>
-            <a:xfrm>
-              <a:off x="724829" y="1371600"/>
-              <a:ext cx="5092700" cy="2748708"/>
-              <a:chOff x="724829" y="1371600"/>
-              <a:chExt cx="5092700" cy="2748708"/>
-            </a:xfrm>
-          </p:grpSpPr>
-          <p:sp>
-            <p:nvSpPr>
-              <p:cNvPr id="26" name="직사각형 25"/>
+              <p:cNvPr id="3" name="직사각형 2"/>
               <p:cNvSpPr/>
               <p:nvPr/>
             </p:nvSpPr>
@@ -10811,7 +9858,7 @@
           </p:sp>
           <p:sp>
             <p:nvSpPr>
-              <p:cNvPr id="27" name="직사각형 26"/>
+              <p:cNvPr id="9" name="직사각형 8"/>
               <p:cNvSpPr/>
               <p:nvPr/>
             </p:nvSpPr>
@@ -10858,21 +9905,30 @@
                 </a:pPr>
                 <a:r>
                   <a:rPr lang="ko-KR" altLang="en-US"/>
-                  <a:t>엣지 컴퓨팅을 활용한 데이터 전송</a:t>
+                  <a:t>저넷</a:t>
                 </a:r>
+                <a:r>
+                  <a:rPr lang="en-US" altLang="ko-KR"/>
+                  <a:t>(Lonet,Low Network)</a:t>
+                </a:r>
+                <a:r>
+                  <a:rPr lang="ko-KR" altLang="en-US"/>
+                  <a:t>상황에서의 수요</a:t>
+                </a:r>
+                <a:endParaRPr lang="ko-KR" altLang="en-US"/>
               </a:p>
             </p:txBody>
           </p:sp>
           <p:sp>
             <p:nvSpPr>
-              <p:cNvPr id="32" name="TextBox 31"/>
+              <p:cNvPr id="12" name="TextBox 11"/>
               <p:cNvSpPr txBox="1"/>
               <p:nvPr/>
             </p:nvSpPr>
             <p:spPr>
               <a:xfrm>
-                <a:off x="3173390" y="1413255"/>
-                <a:ext cx="184731" cy="400110"/>
+                <a:off x="3178812" y="1413255"/>
+                <a:ext cx="184730" cy="400110"/>
               </a:xfrm>
               <a:prstGeom prst="rect">
                 <a:avLst/>
@@ -10898,7 +9954,7 @@
           </p:sp>
           <p:sp>
             <p:nvSpPr>
-              <p:cNvPr id="36" name="TextBox 35"/>
+              <p:cNvPr id="13" name="TextBox 12"/>
               <p:cNvSpPr txBox="1"/>
               <p:nvPr/>
             </p:nvSpPr>
@@ -10928,14 +9984,14 @@
         </p:grpSp>
         <p:sp>
           <p:nvSpPr>
-            <p:cNvPr id="25" name="TextBox 24"/>
+            <p:cNvPr id="18" name="TextBox 17"/>
             <p:cNvSpPr txBox="1"/>
             <p:nvPr/>
           </p:nvSpPr>
           <p:spPr>
             <a:xfrm>
-              <a:off x="908712" y="1917442"/>
-              <a:ext cx="4724928" cy="1754326"/>
+              <a:off x="908713" y="2055864"/>
+              <a:ext cx="4724927" cy="1455579"/>
             </a:xfrm>
             <a:prstGeom prst="rect">
               <a:avLst/>
@@ -10948,10 +10004,34 @@
             </a:bodyPr>
             <a:lstStyle/>
             <a:p>
-              <a:pPr lvl="0" latinLnBrk="0">
+              <a:pPr marL="342900" indent="-342900" latinLnBrk="0">
+                <a:buAutoNum type="arabicPeriod"/>
                 <a:defRPr/>
               </a:pPr>
-              <a:endParaRPr lang="ko-KR" altLang="en-US" dirty="0">
+              <a:r>
+                <a:rPr lang="ko-KR" altLang="en-US">
+                  <a:solidFill>
+                    <a:schemeClr val="bg2">
+                      <a:lumMod val="25000"/>
+                    </a:schemeClr>
+                  </a:solidFill>
+                </a:rPr>
+                <a:t>재난 현장에서 응급 구조를 위해 사용되는 구조 장비</a:t>
+              </a:r>
+              <a:endParaRPr lang="ko-KR" altLang="en-US">
+                <a:solidFill>
+                  <a:schemeClr val="bg2">
+                    <a:lumMod val="25000"/>
+                  </a:schemeClr>
+                </a:solidFill>
+              </a:endParaRPr>
+            </a:p>
+            <a:p>
+              <a:pPr marL="342900" indent="-342900" latinLnBrk="0">
+                <a:buAutoNum type="arabicPeriod"/>
+                <a:defRPr/>
+              </a:pPr>
+              <a:endParaRPr lang="en-US" altLang="ko-KR">
                 <a:solidFill>
                   <a:schemeClr val="bg2">
                     <a:lumMod val="25000"/>
@@ -10965,22 +10045,16 @@
                 <a:defRPr/>
               </a:pPr>
               <a:r>
-                <a:rPr lang="ko-KR" altLang="en-US" dirty="0">
+                <a:rPr lang="ko-KR" altLang="en-US">
                   <a:solidFill>
                     <a:schemeClr val="bg2">
                       <a:lumMod val="25000"/>
                     </a:schemeClr>
                   </a:solidFill>
                 </a:rPr>
-                <a:t>  데이터 전송 부담 완화</a:t>
+                <a:t>인터넷이 연결되지 않은 환경에서 보안 시스템을 구축</a:t>
               </a:r>
-            </a:p>
-            <a:p>
-              <a:pPr marL="342900" indent="-342900" latinLnBrk="0">
-                <a:buAutoNum type="arabicPeriod"/>
-                <a:defRPr/>
-              </a:pPr>
-              <a:endParaRPr lang="en-US" altLang="ko-KR" dirty="0">
+              <a:endParaRPr lang="en-US" altLang="ko-KR">
                 <a:solidFill>
                   <a:schemeClr val="bg2">
                     <a:lumMod val="25000"/>
@@ -10988,74 +10062,10 @@
                 </a:solidFill>
               </a:endParaRPr>
             </a:p>
-            <a:p>
-              <a:pPr marL="342900" indent="-342900" latinLnBrk="0">
-                <a:buAutoNum type="arabicPeriod"/>
-                <a:defRPr/>
-              </a:pPr>
-              <a:r>
-                <a:rPr lang="en-US" altLang="ko-KR" dirty="0">
-                  <a:solidFill>
-                    <a:schemeClr val="bg2">
-                      <a:lumMod val="25000"/>
-                    </a:schemeClr>
-                  </a:solidFill>
-                </a:rPr>
-                <a:t>  </a:t>
-              </a:r>
-              <a:r>
-                <a:rPr lang="ko-KR" altLang="en-US" dirty="0">
-                  <a:solidFill>
-                    <a:schemeClr val="bg2">
-                      <a:lumMod val="25000"/>
-                    </a:schemeClr>
-                  </a:solidFill>
-                </a:rPr>
-                <a:t>실시간 응답</a:t>
-              </a:r>
-            </a:p>
-            <a:p>
-              <a:pPr marL="342900" indent="-342900" latinLnBrk="0">
-                <a:buAutoNum type="arabicPeriod"/>
-                <a:defRPr/>
-              </a:pPr>
-              <a:endParaRPr lang="en-US" altLang="ko-KR" dirty="0">
-                <a:solidFill>
-                  <a:schemeClr val="bg2">
-                    <a:lumMod val="25000"/>
-                  </a:schemeClr>
-                </a:solidFill>
-              </a:endParaRPr>
-            </a:p>
-            <a:p>
-              <a:pPr marL="342900" indent="-342900" latinLnBrk="0">
-                <a:buAutoNum type="arabicPeriod"/>
-                <a:defRPr/>
-              </a:pPr>
-              <a:r>
-                <a:rPr lang="en-US" altLang="ko-KR" dirty="0">
-                  <a:solidFill>
-                    <a:schemeClr val="bg2">
-                      <a:lumMod val="25000"/>
-                    </a:schemeClr>
-                  </a:solidFill>
-                </a:rPr>
-                <a:t>  </a:t>
-              </a:r>
-              <a:r>
-                <a:rPr lang="ko-KR" altLang="en-US" dirty="0">
-                  <a:solidFill>
-                    <a:schemeClr val="bg2">
-                      <a:lumMod val="25000"/>
-                    </a:schemeClr>
-                  </a:solidFill>
-                </a:rPr>
-                <a:t>보안 및 개인 정보 보호</a:t>
-              </a:r>
-            </a:p>
           </p:txBody>
         </p:sp>
       </p:grpSp>
+      �
     </p:spTree>
     <p:extLst>
       <p:ext uri="{BB962C8B-B14F-4D97-AF65-F5344CB8AC3E}">
@@ -11066,11 +10076,11 @@
   <p:clrMapOvr>
     <a:masterClrMapping/>
   </p:clrMapOvr>
-  <mc:AlternateContent xmlns:mc="http://schemas.openxmlformats.org/markup-compatibility/2006" xmlns:p14="http://schemas.microsoft.com/office/powerpoint/2010/main">
-    <mc:Choice Requires="p14">
-      <p:transition/>
+  <mc:AlternateContent xmlns:mc="http://schemas.openxmlformats.org/markup-compatibility/2006">
+    <mc:Choice xmlns:p14="http://schemas.microsoft.com/office/powerpoint/2010/main" Requires="p14">
+      <p:transition xmlns:mc="http://schemas.openxmlformats.org/markup-compatibility/2006" xmlns:p14="http://schemas.microsoft.com/office/powerpoint/2010/main" mc:Ignorable="p14" p14:dur="500"/>
     </mc:Choice>
-    <mc:Fallback xmlns:dsp="http://schemas.microsoft.com/office/drawing/2008/diagram" xmlns:dgm="http://schemas.openxmlformats.org/drawingml/2006/diagram" xmlns:c="http://schemas.openxmlformats.org/drawingml/2006/chart" xmlns="">
+    <mc:Fallback>
       <p:transition/>
     </mc:Fallback>
   </mc:AlternateContent>
@@ -11078,7 +10088,7 @@
 </file>
 
 <file path=ppt/slides/slide7.xml><?xml version="1.0" encoding="utf-8"?>
-<p:sld xmlns:a="http://schemas.openxmlformats.org/drawingml/2006/main" xmlns:r="http://schemas.openxmlformats.org/officeDocument/2006/relationships" xmlns:p="http://schemas.openxmlformats.org/presentationml/2006/main">
+<p:sld xmlns:r="http://schemas.openxmlformats.org/officeDocument/2006/relationships" xmlns:c="http://schemas.openxmlformats.org/drawingml/2006/chart" xmlns:a="http://schemas.openxmlformats.org/drawingml/2006/main" xmlns:dgm="http://schemas.openxmlformats.org/drawingml/2006/diagram" xmlns:dsp="http://schemas.microsoft.com/office/drawing/2008/diagram" xmlns:p="http://schemas.openxmlformats.org/presentationml/2006/main">
   <p:cSld>
     <p:spTree>
       <p:nvGrpSpPr>
@@ -11347,11 +10357,19 @@
   <p:clrMapOvr>
     <a:masterClrMapping/>
   </p:clrMapOvr>
+  <mc:AlternateContent xmlns:mc="http://schemas.openxmlformats.org/markup-compatibility/2006">
+    <mc:Choice xmlns:p14="http://schemas.microsoft.com/office/powerpoint/2010/main" Requires="p14">
+      <p:transition xmlns:mc="http://schemas.openxmlformats.org/markup-compatibility/2006" xmlns:p14="http://schemas.microsoft.com/office/powerpoint/2010/main" mc:Ignorable="p14" p14:dur="500"/>
+    </mc:Choice>
+    <mc:Fallback>
+      <p:transition/>
+    </mc:Fallback>
+  </mc:AlternateContent>
 </p:sld>
 </file>
 
 <file path=ppt/slides/slide8.xml><?xml version="1.0" encoding="utf-8"?>
-<p:sld xmlns:a="http://schemas.openxmlformats.org/drawingml/2006/main" xmlns:r="http://schemas.openxmlformats.org/officeDocument/2006/relationships" xmlns:p="http://schemas.openxmlformats.org/presentationml/2006/main">
+<p:sld xmlns:r="http://schemas.openxmlformats.org/officeDocument/2006/relationships" xmlns:c="http://schemas.openxmlformats.org/drawingml/2006/chart" xmlns:a="http://schemas.openxmlformats.org/drawingml/2006/main" xmlns:dgm="http://schemas.openxmlformats.org/drawingml/2006/diagram" xmlns:dsp="http://schemas.microsoft.com/office/drawing/2008/diagram" xmlns:p="http://schemas.openxmlformats.org/presentationml/2006/main">
   <p:cSld>
     <p:spTree>
       <p:nvGrpSpPr>
@@ -11608,166 +10626,370 @@
           </a:p>
         </p:txBody>
       </p:sp>
-      <p:pic>
-        <p:nvPicPr>
-          <p:cNvPr id="10" name="그림 9">
-            <a:extLst>
-              <a:ext uri="{FF2B5EF4-FFF2-40B4-BE49-F238E27FC236}">
-                <a16:creationId xmlns:a16="http://schemas.microsoft.com/office/drawing/2014/main" id="{08657EEE-B3B5-C0E2-7B2C-9D7B26663CAC}"/>
-              </a:ext>
-            </a:extLst>
-          </p:cNvPr>
-          <p:cNvPicPr>
-            <a:picLocks noChangeAspect="1"/>
-          </p:cNvPicPr>
+      <p:grpSp>
+        <p:nvGrpSpPr>
+          <p:cNvPr id="21" name="그룹 20">
+            <a:extLst>
+              <a:ext uri="{FF2B5EF4-FFF2-40B4-BE49-F238E27FC236}">
+                <a16:creationId xmlns:a16="http://schemas.microsoft.com/office/drawing/2014/main" id="{4073A94D-1689-D928-7FCB-CAFC02C40880}"/>
+              </a:ext>
+            </a:extLst>
+          </p:cNvPr>
+          <p:cNvGrpSpPr/>
           <p:nvPr/>
-        </p:nvPicPr>
-        <p:blipFill>
-          <a:blip r:embed="rId3"/>
-          <a:stretch>
-            <a:fillRect/>
-          </a:stretch>
-        </p:blipFill>
-        <p:spPr>
+        </p:nvGrpSpPr>
+        <p:grpSpPr>
           <a:xfrm>
-            <a:off x="627525" y="2098743"/>
-            <a:ext cx="4870834" cy="2132880"/>
+            <a:off x="251213" y="840091"/>
+            <a:ext cx="10558459" cy="4899923"/>
+            <a:chOff x="251213" y="840091"/>
+            <a:chExt cx="10558459" cy="4899923"/>
           </a:xfrm>
-          <a:prstGeom prst="rect">
-            <a:avLst/>
-          </a:prstGeom>
-        </p:spPr>
-      </p:pic>
-      <p:pic>
-        <p:nvPicPr>
-          <p:cNvPr id="29" name="그림 28">
-            <a:extLst>
-              <a:ext uri="{FF2B5EF4-FFF2-40B4-BE49-F238E27FC236}">
-                <a16:creationId xmlns:a16="http://schemas.microsoft.com/office/drawing/2014/main" id="{CA38054E-4056-D6D1-0160-68588E4074F9}"/>
-              </a:ext>
-            </a:extLst>
-          </p:cNvPr>
-          <p:cNvPicPr>
-            <a:picLocks noChangeAspect="1"/>
-          </p:cNvPicPr>
-          <p:nvPr/>
-        </p:nvPicPr>
-        <p:blipFill>
-          <a:blip r:embed="rId4"/>
-          <a:stretch>
-            <a:fillRect/>
-          </a:stretch>
-        </p:blipFill>
-        <p:spPr>
-          <a:xfrm>
-            <a:off x="7653875" y="1911513"/>
-            <a:ext cx="2961738" cy="2444609"/>
-          </a:xfrm>
-          <a:prstGeom prst="rect">
-            <a:avLst/>
-          </a:prstGeom>
-        </p:spPr>
-      </p:pic>
-      <p:sp>
-        <p:nvSpPr>
-          <p:cNvPr id="31" name="화살표: 오른쪽 30">
-            <a:extLst>
-              <a:ext uri="{FF2B5EF4-FFF2-40B4-BE49-F238E27FC236}">
-                <a16:creationId xmlns:a16="http://schemas.microsoft.com/office/drawing/2014/main" id="{B00A3DD3-CD3C-A471-DB15-CF7A33C54B36}"/>
-              </a:ext>
-            </a:extLst>
-          </p:cNvPr>
-          <p:cNvSpPr/>
-          <p:nvPr/>
-        </p:nvSpPr>
-        <p:spPr>
-          <a:xfrm>
-            <a:off x="5628672" y="2749047"/>
-            <a:ext cx="1714500" cy="769540"/>
-          </a:xfrm>
-          <a:prstGeom prst="rightArrow">
-            <a:avLst/>
-          </a:prstGeom>
-          <a:solidFill>
-            <a:schemeClr val="accent1">
-              <a:lumMod val="60000"/>
-              <a:lumOff val="40000"/>
-            </a:schemeClr>
-          </a:solidFill>
-          <a:ln>
-            <a:noFill/>
-          </a:ln>
-        </p:spPr>
-        <p:style>
-          <a:lnRef idx="2">
-            <a:schemeClr val="accent1">
-              <a:shade val="15000"/>
-            </a:schemeClr>
-          </a:lnRef>
-          <a:fillRef idx="1">
-            <a:schemeClr val="accent1"/>
-          </a:fillRef>
-          <a:effectRef idx="0">
-            <a:schemeClr val="accent1"/>
-          </a:effectRef>
-          <a:fontRef idx="minor">
-            <a:schemeClr val="lt1"/>
-          </a:fontRef>
-        </p:style>
-        <p:txBody>
-          <a:bodyPr rtlCol="0" anchor="ctr"/>
-          <a:lstStyle/>
-          <a:p>
-            <a:pPr algn="ctr"/>
-            <a:endParaRPr lang="ko-KR" altLang="en-US"/>
-          </a:p>
-        </p:txBody>
-      </p:sp>
-      <p:pic>
-        <p:nvPicPr>
-          <p:cNvPr id="3" name="그림 2">
-            <a:extLst>
-              <a:ext uri="{FF2B5EF4-FFF2-40B4-BE49-F238E27FC236}">
-                <a16:creationId xmlns:a16="http://schemas.microsoft.com/office/drawing/2014/main" id="{9BF3EAA6-C6E2-532C-04B0-D3842681E34A}"/>
-              </a:ext>
-            </a:extLst>
-          </p:cNvPr>
-          <p:cNvPicPr>
-            <a:picLocks noChangeAspect="1"/>
-          </p:cNvPicPr>
-          <p:nvPr/>
-        </p:nvPicPr>
-        <p:blipFill>
-          <a:blip r:embed="rId5"/>
-          <a:stretch>
-            <a:fillRect/>
-          </a:stretch>
-        </p:blipFill>
-        <p:spPr>
-          <a:xfrm>
-            <a:off x="5940969" y="934809"/>
-            <a:ext cx="1038370" cy="1724266"/>
-          </a:xfrm>
-          <a:prstGeom prst="rect">
-            <a:avLst/>
-          </a:prstGeom>
-        </p:spPr>
-      </p:pic>
+        </p:grpSpPr>
+        <p:sp>
+          <p:nvSpPr>
+            <p:cNvPr id="11" name="화살표: 굽음 10">
+              <a:extLst>
+                <a:ext uri="{FF2B5EF4-FFF2-40B4-BE49-F238E27FC236}">
+                  <a16:creationId xmlns:a16="http://schemas.microsoft.com/office/drawing/2014/main" id="{DEACA44D-C782-F169-93BF-E1DADB43E134}"/>
+                </a:ext>
+              </a:extLst>
+            </p:cNvPr>
+            <p:cNvSpPr/>
+            <p:nvPr/>
+          </p:nvSpPr>
+          <p:spPr>
+            <a:xfrm>
+              <a:off x="1382328" y="2098732"/>
+              <a:ext cx="1147762" cy="1330268"/>
+            </a:xfrm>
+            <a:prstGeom prst="bentArrow">
+              <a:avLst>
+                <a:gd name="adj1" fmla="val 23611"/>
+                <a:gd name="adj2" fmla="val 22916"/>
+                <a:gd name="adj3" fmla="val 27779"/>
+                <a:gd name="adj4" fmla="val 42361"/>
+              </a:avLst>
+            </a:prstGeom>
+            <a:solidFill>
+              <a:schemeClr val="accent1">
+                <a:lumMod val="60000"/>
+                <a:lumOff val="40000"/>
+              </a:schemeClr>
+            </a:solidFill>
+            <a:ln>
+              <a:noFill/>
+            </a:ln>
+          </p:spPr>
+          <p:style>
+            <a:lnRef idx="2">
+              <a:schemeClr val="accent1">
+                <a:shade val="15000"/>
+              </a:schemeClr>
+            </a:lnRef>
+            <a:fillRef idx="1">
+              <a:schemeClr val="accent1"/>
+            </a:fillRef>
+            <a:effectRef idx="0">
+              <a:schemeClr val="accent1"/>
+            </a:effectRef>
+            <a:fontRef idx="minor">
+              <a:schemeClr val="lt1"/>
+            </a:fontRef>
+          </p:style>
+          <p:txBody>
+            <a:bodyPr rtlCol="0" anchor="ctr"/>
+            <a:lstStyle/>
+            <a:p>
+              <a:pPr algn="ctr"/>
+              <a:endParaRPr lang="ko-KR" altLang="en-US">
+                <a:solidFill>
+                  <a:schemeClr val="tx1"/>
+                </a:solidFill>
+              </a:endParaRPr>
+            </a:p>
+          </p:txBody>
+        </p:sp>
+        <p:grpSp>
+          <p:nvGrpSpPr>
+            <p:cNvPr id="19" name="그룹 18">
+              <a:extLst>
+                <a:ext uri="{FF2B5EF4-FFF2-40B4-BE49-F238E27FC236}">
+                  <a16:creationId xmlns:a16="http://schemas.microsoft.com/office/drawing/2014/main" id="{030D48C3-6D4C-6BE9-BDB9-3D3A3CAEC583}"/>
+                </a:ext>
+              </a:extLst>
+            </p:cNvPr>
+            <p:cNvGrpSpPr/>
+            <p:nvPr/>
+          </p:nvGrpSpPr>
+          <p:grpSpPr>
+            <a:xfrm>
+              <a:off x="251213" y="3655615"/>
+              <a:ext cx="2834888" cy="2084399"/>
+              <a:chOff x="122625" y="2733925"/>
+              <a:chExt cx="2904953" cy="2301919"/>
+            </a:xfrm>
+          </p:grpSpPr>
+          <p:pic>
+            <p:nvPicPr>
+              <p:cNvPr id="16" name="그림 15">
+                <a:extLst>
+                  <a:ext uri="{FF2B5EF4-FFF2-40B4-BE49-F238E27FC236}">
+                    <a16:creationId xmlns:a16="http://schemas.microsoft.com/office/drawing/2014/main" id="{A7249A97-531A-A881-FED0-123F74FDDEB0}"/>
+                  </a:ext>
+                </a:extLst>
+              </p:cNvPr>
+              <p:cNvPicPr>
+                <a:picLocks noChangeAspect="1"/>
+              </p:cNvPicPr>
+              <p:nvPr/>
+            </p:nvPicPr>
+            <p:blipFill>
+              <a:blip r:embed="rId3"/>
+              <a:stretch>
+                <a:fillRect/>
+              </a:stretch>
+            </p:blipFill>
+            <p:spPr>
+              <a:xfrm>
+                <a:off x="1199953" y="2733925"/>
+                <a:ext cx="1827625" cy="1843380"/>
+              </a:xfrm>
+              <a:prstGeom prst="rect">
+                <a:avLst/>
+              </a:prstGeom>
+            </p:spPr>
+          </p:pic>
+          <p:pic>
+            <p:nvPicPr>
+              <p:cNvPr id="17" name="그림 16">
+                <a:extLst>
+                  <a:ext uri="{FF2B5EF4-FFF2-40B4-BE49-F238E27FC236}">
+                    <a16:creationId xmlns:a16="http://schemas.microsoft.com/office/drawing/2014/main" id="{72C5ACC9-970D-32E2-343E-88209C2CFF13}"/>
+                  </a:ext>
+                </a:extLst>
+              </p:cNvPr>
+              <p:cNvPicPr>
+                <a:picLocks noChangeAspect="1"/>
+              </p:cNvPicPr>
+              <p:nvPr/>
+            </p:nvPicPr>
+            <p:blipFill>
+              <a:blip r:embed="rId4"/>
+              <a:stretch>
+                <a:fillRect/>
+              </a:stretch>
+            </p:blipFill>
+            <p:spPr>
+              <a:xfrm>
+                <a:off x="122625" y="3832693"/>
+                <a:ext cx="1360525" cy="1203151"/>
+              </a:xfrm>
+              <a:prstGeom prst="rect">
+                <a:avLst/>
+              </a:prstGeom>
+            </p:spPr>
+          </p:pic>
+        </p:grpSp>
+        <p:grpSp>
+          <p:nvGrpSpPr>
+            <p:cNvPr id="13" name="그룹 12">
+              <a:extLst>
+                <a:ext uri="{FF2B5EF4-FFF2-40B4-BE49-F238E27FC236}">
+                  <a16:creationId xmlns:a16="http://schemas.microsoft.com/office/drawing/2014/main" id="{31013B47-F0EB-C690-BBB7-083186169489}"/>
+                </a:ext>
+              </a:extLst>
+            </p:cNvPr>
+            <p:cNvGrpSpPr/>
+            <p:nvPr/>
+          </p:nvGrpSpPr>
+          <p:grpSpPr>
+            <a:xfrm>
+              <a:off x="2792043" y="840091"/>
+              <a:ext cx="8017629" cy="2751241"/>
+              <a:chOff x="2792043" y="763191"/>
+              <a:chExt cx="6276683" cy="2751241"/>
+            </a:xfrm>
+          </p:grpSpPr>
+          <p:pic>
+            <p:nvPicPr>
+              <p:cNvPr id="10" name="그림 9">
+                <a:extLst>
+                  <a:ext uri="{FF2B5EF4-FFF2-40B4-BE49-F238E27FC236}">
+                    <a16:creationId xmlns:a16="http://schemas.microsoft.com/office/drawing/2014/main" id="{A3ECEE2E-58FC-55D9-8658-A24BCBC552EA}"/>
+                  </a:ext>
+                </a:extLst>
+              </p:cNvPr>
+              <p:cNvPicPr>
+                <a:picLocks noChangeAspect="1"/>
+              </p:cNvPicPr>
+              <p:nvPr/>
+            </p:nvPicPr>
+            <p:blipFill>
+              <a:blip r:embed="rId5"/>
+              <a:stretch>
+                <a:fillRect/>
+              </a:stretch>
+            </p:blipFill>
+            <p:spPr>
+              <a:xfrm>
+                <a:off x="2949599" y="930856"/>
+                <a:ext cx="6119127" cy="2583576"/>
+              </a:xfrm>
+              <a:prstGeom prst="rect">
+                <a:avLst/>
+              </a:prstGeom>
+            </p:spPr>
+          </p:pic>
+          <p:pic>
+            <p:nvPicPr>
+              <p:cNvPr id="3" name="그림 2" descr="텍스트, 스크린샷, 폰트이(가) 표시된 사진&#10;&#10;자동 생성된 설명">
+                <a:extLst>
+                  <a:ext uri="{FF2B5EF4-FFF2-40B4-BE49-F238E27FC236}">
+                    <a16:creationId xmlns:a16="http://schemas.microsoft.com/office/drawing/2014/main" id="{013F5E72-B894-9045-20A1-F8E840DA8A81}"/>
+                  </a:ext>
+                </a:extLst>
+              </p:cNvPr>
+              <p:cNvPicPr>
+                <a:picLocks noChangeAspect="1"/>
+              </p:cNvPicPr>
+              <p:nvPr/>
+            </p:nvPicPr>
+            <p:blipFill>
+              <a:blip r:embed="rId6" cstate="print">
+                <a:extLst>
+                  <a:ext uri="{28A0092B-C50C-407E-A947-70E740481C1C}">
+                    <a14:useLocalDpi xmlns:a14="http://schemas.microsoft.com/office/drawing/2010/main" val="0"/>
+                  </a:ext>
+                </a:extLst>
+              </a:blip>
+              <a:stretch>
+                <a:fillRect/>
+              </a:stretch>
+            </p:blipFill>
+            <p:spPr>
+              <a:xfrm>
+                <a:off x="2792043" y="763191"/>
+                <a:ext cx="1615645" cy="2224879"/>
+              </a:xfrm>
+              <a:prstGeom prst="rect">
+                <a:avLst/>
+              </a:prstGeom>
+            </p:spPr>
+          </p:pic>
+        </p:grpSp>
+        <p:pic>
+          <p:nvPicPr>
+            <p:cNvPr id="9" name="그림 8">
+              <a:extLst>
+                <a:ext uri="{FF2B5EF4-FFF2-40B4-BE49-F238E27FC236}">
+                  <a16:creationId xmlns:a16="http://schemas.microsoft.com/office/drawing/2014/main" id="{4B5FDF0A-D3EA-4AAE-F546-4B7C2DC97B0A}"/>
+                </a:ext>
+              </a:extLst>
+            </p:cNvPr>
+            <p:cNvPicPr>
+              <a:picLocks noChangeAspect="1"/>
+            </p:cNvPicPr>
+            <p:nvPr/>
+          </p:nvPicPr>
+          <p:blipFill>
+            <a:blip r:embed="rId7"/>
+            <a:stretch>
+              <a:fillRect/>
+            </a:stretch>
+          </p:blipFill>
+          <p:spPr>
+            <a:xfrm>
+              <a:off x="3823929" y="3815959"/>
+              <a:ext cx="1503776" cy="1669191"/>
+            </a:xfrm>
+            <a:prstGeom prst="rect">
+              <a:avLst/>
+            </a:prstGeom>
+          </p:spPr>
+        </p:pic>
+        <p:sp>
+          <p:nvSpPr>
+            <p:cNvPr id="12" name="화살표: 오른쪽 11">
+              <a:extLst>
+                <a:ext uri="{FF2B5EF4-FFF2-40B4-BE49-F238E27FC236}">
+                  <a16:creationId xmlns:a16="http://schemas.microsoft.com/office/drawing/2014/main" id="{03DE1DA7-ACB1-3803-313E-F3DF9D8D5CB3}"/>
+                </a:ext>
+              </a:extLst>
+            </p:cNvPr>
+            <p:cNvSpPr/>
+            <p:nvPr/>
+          </p:nvSpPr>
+          <p:spPr>
+            <a:xfrm rot="18373321">
+              <a:off x="4866622" y="2839293"/>
+              <a:ext cx="1172178" cy="451353"/>
+            </a:xfrm>
+            <a:prstGeom prst="rightArrow">
+              <a:avLst>
+                <a:gd name="adj1" fmla="val 50000"/>
+                <a:gd name="adj2" fmla="val 64853"/>
+              </a:avLst>
+            </a:prstGeom>
+            <a:solidFill>
+              <a:schemeClr val="accent1">
+                <a:lumMod val="60000"/>
+                <a:lumOff val="40000"/>
+              </a:schemeClr>
+            </a:solidFill>
+            <a:ln>
+              <a:noFill/>
+            </a:ln>
+          </p:spPr>
+          <p:style>
+            <a:lnRef idx="2">
+              <a:schemeClr val="accent1">
+                <a:shade val="15000"/>
+              </a:schemeClr>
+            </a:lnRef>
+            <a:fillRef idx="1">
+              <a:schemeClr val="accent1"/>
+            </a:fillRef>
+            <a:effectRef idx="0">
+              <a:schemeClr val="accent1"/>
+            </a:effectRef>
+            <a:fontRef idx="minor">
+              <a:schemeClr val="lt1"/>
+            </a:fontRef>
+          </p:style>
+          <p:txBody>
+            <a:bodyPr rtlCol="0" anchor="ctr"/>
+            <a:lstStyle/>
+            <a:p>
+              <a:pPr algn="ctr"/>
+              <a:endParaRPr lang="ko-KR" altLang="en-US" dirty="0"/>
+            </a:p>
+          </p:txBody>
+        </p:sp>
+      </p:grpSp>
     </p:spTree>
     <p:extLst>
       <p:ext uri="{BB962C8B-B14F-4D97-AF65-F5344CB8AC3E}">
-        <p14:creationId xmlns:p14="http://schemas.microsoft.com/office/powerpoint/2010/main" val="2788063003"/>
+        <p14:creationId xmlns:p14="http://schemas.microsoft.com/office/powerpoint/2010/main" val="3476104518"/>
       </p:ext>
     </p:extLst>
   </p:cSld>
   <p:clrMapOvr>
     <a:masterClrMapping/>
   </p:clrMapOvr>
+  <mc:AlternateContent xmlns:mc="http://schemas.openxmlformats.org/markup-compatibility/2006">
+    <mc:Choice xmlns:p14="http://schemas.microsoft.com/office/powerpoint/2010/main" Requires="p14">
+      <p:transition xmlns:mc="http://schemas.openxmlformats.org/markup-compatibility/2006" xmlns:p14="http://schemas.microsoft.com/office/powerpoint/2010/main" mc:Ignorable="p14" p14:dur="500"/>
+    </mc:Choice>
+    <mc:Fallback>
+      <p:transition/>
+    </mc:Fallback>
+  </mc:AlternateContent>
 </p:sld>
 </file>
 
 <file path=ppt/slides/slide9.xml><?xml version="1.0" encoding="utf-8"?>
-<p:sld xmlns:a="http://schemas.openxmlformats.org/drawingml/2006/main" xmlns:r="http://schemas.openxmlformats.org/officeDocument/2006/relationships" xmlns:p="http://schemas.openxmlformats.org/presentationml/2006/main">
+<p:sld xmlns:r="http://schemas.openxmlformats.org/officeDocument/2006/relationships" xmlns:c="http://schemas.openxmlformats.org/drawingml/2006/chart" xmlns:a="http://schemas.openxmlformats.org/drawingml/2006/main" xmlns:dgm="http://schemas.openxmlformats.org/drawingml/2006/diagram" xmlns:dsp="http://schemas.microsoft.com/office/drawing/2008/diagram" xmlns:p="http://schemas.openxmlformats.org/presentationml/2006/main">
   <p:cSld>
     <p:spTree>
       <p:nvGrpSpPr>
@@ -12091,48 +11313,56 @@
   <p:clrMapOvr>
     <a:masterClrMapping/>
   </p:clrMapOvr>
+  <mc:AlternateContent xmlns:mc="http://schemas.openxmlformats.org/markup-compatibility/2006">
+    <mc:Choice xmlns:p14="http://schemas.microsoft.com/office/powerpoint/2010/main" Requires="p14">
+      <p:transition xmlns:mc="http://schemas.openxmlformats.org/markup-compatibility/2006" xmlns:p14="http://schemas.microsoft.com/office/powerpoint/2010/main" mc:Ignorable="p14" p14:dur="500"/>
+    </mc:Choice>
+    <mc:Fallback>
+      <p:transition/>
+    </mc:Fallback>
+  </mc:AlternateContent>
 </p:sld>
 </file>
 
 <file path=ppt/theme/theme1.xml><?xml version="1.0" encoding="utf-8"?>
-<a:theme xmlns:a="http://schemas.openxmlformats.org/drawingml/2006/main" name="Office 테마">
+<a:theme xmlns:r="http://schemas.openxmlformats.org/officeDocument/2006/relationships" xmlns:c="http://schemas.openxmlformats.org/drawingml/2006/chart" xmlns:dgm="http://schemas.openxmlformats.org/drawingml/2006/diagram" xmlns:dsp="http://schemas.microsoft.com/office/drawing/2008/diagram" xmlns:a="http://schemas.openxmlformats.org/drawingml/2006/main" xmlns:pic="http://schemas.openxmlformats.org/drawingml/2006/picture" xmlns:wp="http://schemas.openxmlformats.org/drawingml/2006/wordprocessingDrawing" xmlns:xdr="http://schemas.openxmlformats.org/drawingml/2006/spreadsheetDrawing" xmlns:lc="http://schemas.openxmlformats.org/drawingml/2006/lockedCanvas" xmlns:p="http://schemas.openxmlformats.org/presentationml/2006/main" name="Office 테마">
   <a:themeElements>
     <a:clrScheme name="Office">
       <a:dk1>
         <a:sysClr val="windowText" lastClr="000000"/>
       </a:dk1>
       <a:lt1>
-        <a:sysClr val="window" lastClr="FFFFFF"/>
+        <a:sysClr val="window" lastClr="ffffff"/>
       </a:lt1>
       <a:dk2>
-        <a:srgbClr val="0E2841"/>
+        <a:srgbClr val="0e2841"/>
       </a:dk2>
       <a:lt2>
-        <a:srgbClr val="E8E8E8"/>
+        <a:srgbClr val="e8e8e8"/>
       </a:lt2>
       <a:accent1>
         <a:srgbClr val="156082"/>
       </a:accent1>
       <a:accent2>
-        <a:srgbClr val="E97132"/>
+        <a:srgbClr val="e97132"/>
       </a:accent2>
       <a:accent3>
-        <a:srgbClr val="196B24"/>
+        <a:srgbClr val="196b24"/>
       </a:accent3>
       <a:accent4>
-        <a:srgbClr val="0F9ED5"/>
+        <a:srgbClr val="0f9ed5"/>
       </a:accent4>
       <a:accent5>
-        <a:srgbClr val="A02B93"/>
+        <a:srgbClr val="a02b93"/>
       </a:accent5>
       <a:accent6>
-        <a:srgbClr val="4EA72E"/>
+        <a:srgbClr val="4ea72e"/>
       </a:accent6>
       <a:hlink>
         <a:srgbClr val="467886"/>
       </a:hlink>
       <a:folHlink>
-        <a:srgbClr val="96607D"/>
+        <a:srgbClr val="96607d"/>
       </a:folHlink>
     </a:clrScheme>
     <a:fontScheme name="Office">
@@ -12426,49 +11656,48 @@
       <a:lstStyle/>
     </a:txDef>
   </a:objectDefaults>
-  <a:extraClrSchemeLst/>
 </a:theme>
 </file>
 
 <file path=ppt/theme/theme2.xml><?xml version="1.0" encoding="utf-8"?>
-<a:theme xmlns:a="http://schemas.openxmlformats.org/drawingml/2006/main" name="Office 테마">
+<a:theme xmlns:r="http://schemas.openxmlformats.org/officeDocument/2006/relationships" xmlns:c="http://schemas.openxmlformats.org/drawingml/2006/chart" xmlns:dgm="http://schemas.openxmlformats.org/drawingml/2006/diagram" xmlns:dsp="http://schemas.microsoft.com/office/drawing/2008/diagram" xmlns:a="http://schemas.openxmlformats.org/drawingml/2006/main" xmlns:pic="http://schemas.openxmlformats.org/drawingml/2006/picture" xmlns:wp="http://schemas.openxmlformats.org/drawingml/2006/wordprocessingDrawing" xmlns:xdr="http://schemas.openxmlformats.org/drawingml/2006/spreadsheetDrawing" xmlns:lc="http://schemas.openxmlformats.org/drawingml/2006/lockedCanvas" xmlns:p="http://schemas.openxmlformats.org/presentationml/2006/main" name="Office 테마">
   <a:themeElements>
     <a:clrScheme name="Office">
       <a:dk1>
         <a:sysClr val="windowText" lastClr="000000"/>
       </a:dk1>
       <a:lt1>
-        <a:sysClr val="window" lastClr="FFFFFF"/>
+        <a:sysClr val="window" lastClr="ffffff"/>
       </a:lt1>
       <a:dk2>
-        <a:srgbClr val="0E2841"/>
+        <a:srgbClr val="0e2841"/>
       </a:dk2>
       <a:lt2>
-        <a:srgbClr val="E8E8E8"/>
+        <a:srgbClr val="e8e8e8"/>
       </a:lt2>
       <a:accent1>
         <a:srgbClr val="156082"/>
       </a:accent1>
       <a:accent2>
-        <a:srgbClr val="E97132"/>
+        <a:srgbClr val="e97132"/>
       </a:accent2>
       <a:accent3>
-        <a:srgbClr val="196B24"/>
+        <a:srgbClr val="196b24"/>
       </a:accent3>
       <a:accent4>
-        <a:srgbClr val="0F9ED5"/>
+        <a:srgbClr val="0f9ed5"/>
       </a:accent4>
       <a:accent5>
-        <a:srgbClr val="A02B93"/>
+        <a:srgbClr val="a02b93"/>
       </a:accent5>
       <a:accent6>
-        <a:srgbClr val="4EA72E"/>
+        <a:srgbClr val="4ea72e"/>
       </a:accent6>
       <a:hlink>
         <a:srgbClr val="467886"/>
       </a:hlink>
       <a:folHlink>
-        <a:srgbClr val="96607D"/>
+        <a:srgbClr val="96607d"/>
       </a:folHlink>
     </a:clrScheme>
     <a:fontScheme name="Office">
@@ -12762,195 +11991,5 @@
       <a:lstStyle/>
     </a:txDef>
   </a:objectDefaults>
-  <a:extraClrSchemeLst/>
 </a:theme>
-</file>
-
-<file path=customXml/item1.xml><?xml version="1.0" encoding="utf-8"?>
-<ct:contentTypeSchema xmlns:ct="http://schemas.microsoft.com/office/2006/metadata/contentType" xmlns:ma="http://schemas.microsoft.com/office/2006/metadata/properties/metaAttributes" ct:_="" ma:_="" ma:contentTypeName="문서" ma:contentTypeID="0x0101009E0B5262B8F5D14C95C1BC0C52CCDCDF" ma:contentTypeVersion="2" ma:contentTypeDescription="새 문서를 만듭니다." ma:contentTypeScope="" ma:versionID="196cef610b2908ef859592e662360865">
-  <xsd:schema xmlns:xsd="http://www.w3.org/2001/XMLSchema" xmlns:xs="http://www.w3.org/2001/XMLSchema" xmlns:p="http://schemas.microsoft.com/office/2006/metadata/properties" xmlns:ns3="a316cb89-240b-4a87-bd71-d76a8a44467c" targetNamespace="http://schemas.microsoft.com/office/2006/metadata/properties" ma:root="true" ma:fieldsID="9668eb8a0f6f28f23d48196640c8a9e7" ns3:_="">
-    <xsd:import namespace="a316cb89-240b-4a87-bd71-d76a8a44467c"/>
-    <xsd:element name="properties">
-      <xsd:complexType>
-        <xsd:sequence>
-          <xsd:element name="documentManagement">
-            <xsd:complexType>
-              <xsd:all>
-                <xsd:element ref="ns3:MediaServiceMetadata" minOccurs="0"/>
-                <xsd:element ref="ns3:MediaServiceFastMetadata" minOccurs="0"/>
-              </xsd:all>
-            </xsd:complexType>
-          </xsd:element>
-        </xsd:sequence>
-      </xsd:complexType>
-    </xsd:element>
-  </xsd:schema>
-  <xsd:schema xmlns:xsd="http://www.w3.org/2001/XMLSchema" xmlns:xs="http://www.w3.org/2001/XMLSchema" xmlns:dms="http://schemas.microsoft.com/office/2006/documentManagement/types" xmlns:pc="http://schemas.microsoft.com/office/infopath/2007/PartnerControls" targetNamespace="a316cb89-240b-4a87-bd71-d76a8a44467c" elementFormDefault="qualified">
-    <xsd:import namespace="http://schemas.microsoft.com/office/2006/documentManagement/types"/>
-    <xsd:import namespace="http://schemas.microsoft.com/office/infopath/2007/PartnerControls"/>
-    <xsd:element name="MediaServiceMetadata" ma:index="8" nillable="true" ma:displayName="MediaServiceMetadata" ma:hidden="true" ma:internalName="MediaServiceMetadata" ma:readOnly="true">
-      <xsd:simpleType>
-        <xsd:restriction base="dms:Note"/>
-      </xsd:simpleType>
-    </xsd:element>
-    <xsd:element name="MediaServiceFastMetadata" ma:index="9" nillable="true" ma:displayName="MediaServiceFastMetadata" ma:hidden="true" ma:internalName="MediaServiceFastMetadata" ma:readOnly="true">
-      <xsd:simpleType>
-        <xsd:restriction base="dms:Note"/>
-      </xsd:simpleType>
-    </xsd:element>
-  </xsd:schema>
-  <xsd:schema xmlns="http://schemas.openxmlformats.org/package/2006/metadata/core-properties" xmlns:xsd="http://www.w3.org/2001/XMLSchema" xmlns:xsi="http://www.w3.org/2001/XMLSchema-instance" xmlns:dc="http://purl.org/dc/elements/1.1/" xmlns:dcterms="http://purl.org/dc/terms/" xmlns:odoc="http://schemas.microsoft.com/internal/obd" targetNamespace="http://schemas.openxmlformats.org/package/2006/metadata/core-properties" elementFormDefault="qualified" attributeFormDefault="unqualified" blockDefault="#all">
-    <xsd:import namespace="http://purl.org/dc/elements/1.1/" schemaLocation="http://dublincore.org/schemas/xmls/qdc/2003/04/02/dc.xsd"/>
-    <xsd:import namespace="http://purl.org/dc/terms/" schemaLocation="http://dublincore.org/schemas/xmls/qdc/2003/04/02/dcterms.xsd"/>
-    <xsd:element name="coreProperties" type="CT_coreProperties"/>
-    <xsd:complexType name="CT_coreProperties">
-      <xsd:all>
-        <xsd:element ref="dc:creator" minOccurs="0" maxOccurs="1"/>
-        <xsd:element ref="dcterms:created" minOccurs="0" maxOccurs="1"/>
-        <xsd:element ref="dc:identifier" minOccurs="0" maxOccurs="1"/>
-        <xsd:element name="contentType" minOccurs="0" maxOccurs="1" type="xsd:string" ma:index="0" ma:displayName="콘텐츠 형식"/>
-        <xsd:element ref="dc:title" minOccurs="0" maxOccurs="1" ma:index="4" ma:displayName="제목"/>
-        <xsd:element ref="dc:subject" minOccurs="0" maxOccurs="1"/>
-        <xsd:element ref="dc:description" minOccurs="0" maxOccurs="1"/>
-        <xsd:element name="keywords" minOccurs="0" maxOccurs="1" type="xsd:string"/>
-        <xsd:element ref="dc:language" minOccurs="0" maxOccurs="1"/>
-        <xsd:element name="category" minOccurs="0" maxOccurs="1" type="xsd:string"/>
-        <xsd:element name="version" minOccurs="0" maxOccurs="1" type="xsd:string"/>
-        <xsd:element name="revision" minOccurs="0" maxOccurs="1" type="xsd:string">
-          <xsd:annotation>
-            <xsd:documentation>
-                        This value indicates the number of saves or revisions. The application is responsible for updating this value after each revision.
-                    </xsd:documentation>
-          </xsd:annotation>
-        </xsd:element>
-        <xsd:element name="lastModifiedBy" minOccurs="0" maxOccurs="1" type="xsd:string"/>
-        <xsd:element ref="dcterms:modified" minOccurs="0" maxOccurs="1"/>
-        <xsd:element name="contentStatus" minOccurs="0" maxOccurs="1" type="xsd:string"/>
-      </xsd:all>
-    </xsd:complexType>
-  </xsd:schema>
-  <xs:schema xmlns:pc="http://schemas.microsoft.com/office/infopath/2007/PartnerControls" xmlns:xs="http://www.w3.org/2001/XMLSchema" targetNamespace="http://schemas.microsoft.com/office/infopath/2007/PartnerControls" elementFormDefault="qualified" attributeFormDefault="unqualified">
-    <xs:element name="Person">
-      <xs:complexType>
-        <xs:sequence>
-          <xs:element ref="pc:DisplayName" minOccurs="0"/>
-          <xs:element ref="pc:AccountId" minOccurs="0"/>
-          <xs:element ref="pc:AccountType" minOccurs="0"/>
-        </xs:sequence>
-      </xs:complexType>
-    </xs:element>
-    <xs:element name="DisplayName" type="xs:string"/>
-    <xs:element name="AccountId" type="xs:string"/>
-    <xs:element name="AccountType" type="xs:string"/>
-    <xs:element name="BDCAssociatedEntity">
-      <xs:complexType>
-        <xs:sequence>
-          <xs:element ref="pc:BDCEntity" minOccurs="0" maxOccurs="unbounded"/>
-        </xs:sequence>
-        <xs:attribute ref="pc:EntityNamespace"/>
-        <xs:attribute ref="pc:EntityName"/>
-        <xs:attribute ref="pc:SystemInstanceName"/>
-        <xs:attribute ref="pc:AssociationName"/>
-      </xs:complexType>
-    </xs:element>
-    <xs:attribute name="EntityNamespace" type="xs:string"/>
-    <xs:attribute name="EntityName" type="xs:string"/>
-    <xs:attribute name="SystemInstanceName" type="xs:string"/>
-    <xs:attribute name="AssociationName" type="xs:string"/>
-    <xs:element name="BDCEntity">
-      <xs:complexType>
-        <xs:sequence>
-          <xs:element ref="pc:EntityDisplayName" minOccurs="0"/>
-          <xs:element ref="pc:EntityInstanceReference" minOccurs="0"/>
-          <xs:element ref="pc:EntityId1" minOccurs="0"/>
-          <xs:element ref="pc:EntityId2" minOccurs="0"/>
-          <xs:element ref="pc:EntityId3" minOccurs="0"/>
-          <xs:element ref="pc:EntityId4" minOccurs="0"/>
-          <xs:element ref="pc:EntityId5" minOccurs="0"/>
-        </xs:sequence>
-      </xs:complexType>
-    </xs:element>
-    <xs:element name="EntityDisplayName" type="xs:string"/>
-    <xs:element name="EntityInstanceReference" type="xs:string"/>
-    <xs:element name="EntityId1" type="xs:string"/>
-    <xs:element name="EntityId2" type="xs:string"/>
-    <xs:element name="EntityId3" type="xs:string"/>
-    <xs:element name="EntityId4" type="xs:string"/>
-    <xs:element name="EntityId5" type="xs:string"/>
-    <xs:element name="Terms">
-      <xs:complexType>
-        <xs:sequence>
-          <xs:element ref="pc:TermInfo" minOccurs="0" maxOccurs="unbounded"/>
-        </xs:sequence>
-      </xs:complexType>
-    </xs:element>
-    <xs:element name="TermInfo">
-      <xs:complexType>
-        <xs:sequence>
-          <xs:element ref="pc:TermName" minOccurs="0"/>
-          <xs:element ref="pc:TermId" minOccurs="0"/>
-        </xs:sequence>
-      </xs:complexType>
-    </xs:element>
-    <xs:element name="TermName" type="xs:string"/>
-    <xs:element name="TermId" type="xs:string"/>
-  </xs:schema>
-</ct:contentTypeSchema>
-</file>
-
-<file path=customXml/item2.xml><?xml version="1.0" encoding="utf-8"?>
-<?mso-contentType ?>
-<FormTemplates xmlns="http://schemas.microsoft.com/sharepoint/v3/contenttype/forms">
-  <Display>DocumentLibraryForm</Display>
-  <Edit>DocumentLibraryForm</Edit>
-  <New>DocumentLibraryForm</New>
-</FormTemplates>
-</file>
-
-<file path=customXml/item3.xml><?xml version="1.0" encoding="utf-8"?>
-<p:properties xmlns:p="http://schemas.microsoft.com/office/2006/metadata/properties" xmlns:xsi="http://www.w3.org/2001/XMLSchema-instance" xmlns:pc="http://schemas.microsoft.com/office/infopath/2007/PartnerControls">
-  <documentManagement/>
-</p:properties>
-</file>
-
-<file path=customXml/itemProps1.xml><?xml version="1.0" encoding="utf-8"?>
-<ds:datastoreItem xmlns:ds="http://schemas.openxmlformats.org/officeDocument/2006/customXml" ds:itemID="{FCE680AF-DEC8-4160-AA2A-3CD30F183490}">
-  <ds:schemaRefs>
-    <ds:schemaRef ds:uri="http://schemas.microsoft.com/office/2006/metadata/contentType"/>
-    <ds:schemaRef ds:uri="http://schemas.microsoft.com/office/2006/metadata/properties/metaAttributes"/>
-    <ds:schemaRef ds:uri="http://www.w3.org/2001/XMLSchema"/>
-    <ds:schemaRef ds:uri="http://schemas.microsoft.com/office/2006/metadata/properties"/>
-    <ds:schemaRef ds:uri="a316cb89-240b-4a87-bd71-d76a8a44467c"/>
-    <ds:schemaRef ds:uri="http://schemas.microsoft.com/office/2006/documentManagement/types"/>
-    <ds:schemaRef ds:uri="http://schemas.microsoft.com/office/infopath/2007/PartnerControls"/>
-    <ds:schemaRef ds:uri="http://schemas.openxmlformats.org/package/2006/metadata/core-properties"/>
-    <ds:schemaRef ds:uri="http://purl.org/dc/elements/1.1/"/>
-    <ds:schemaRef ds:uri="http://purl.org/dc/terms/"/>
-    <ds:schemaRef ds:uri="http://schemas.microsoft.com/internal/obd"/>
-  </ds:schemaRefs>
-</ds:datastoreItem>
-</file>
-
-<file path=customXml/itemProps2.xml><?xml version="1.0" encoding="utf-8"?>
-<ds:datastoreItem xmlns:ds="http://schemas.openxmlformats.org/officeDocument/2006/customXml" ds:itemID="{F01C281E-BC7D-493C-97D3-43EA5ECD4335}">
-  <ds:schemaRefs>
-    <ds:schemaRef ds:uri="http://schemas.microsoft.com/sharepoint/v3/contenttype/forms"/>
-  </ds:schemaRefs>
-</ds:datastoreItem>
-</file>
-
-<file path=customXml/itemProps3.xml><?xml version="1.0" encoding="utf-8"?>
-<ds:datastoreItem xmlns:ds="http://schemas.openxmlformats.org/officeDocument/2006/customXml" ds:itemID="{2A6ECA75-BE1C-44C4-93E0-513D25D348D5}">
-  <ds:schemaRefs>
-    <ds:schemaRef ds:uri="http://purl.org/dc/elements/1.1/"/>
-    <ds:schemaRef ds:uri="http://schemas.openxmlformats.org/package/2006/metadata/core-properties"/>
-    <ds:schemaRef ds:uri="http://schemas.microsoft.com/office/2006/documentManagement/types"/>
-    <ds:schemaRef ds:uri="a316cb89-240b-4a87-bd71-d76a8a44467c"/>
-    <ds:schemaRef ds:uri="http://purl.org/dc/dcmitype/"/>
-    <ds:schemaRef ds:uri="http://schemas.microsoft.com/office/2006/metadata/properties"/>
-    <ds:schemaRef ds:uri="http://schemas.microsoft.com/office/infopath/2007/PartnerControls"/>
-    <ds:schemaRef ds:uri="http://www.w3.org/XML/1998/namespace"/>
-    <ds:schemaRef ds:uri="http://purl.org/dc/terms/"/>
-  </ds:schemaRefs>
-</ds:datastoreItem>
 </file>
--- a/실증적 sw프로젝트/자료/ppt/SW실증 중간발표(토끼용) v2.pptx
+++ b/실증적 sw프로젝트/자료/ppt/SW실증 중간발표(토끼용) v2.pptx
@@ -9927,8 +9927,8 @@
             </p:nvSpPr>
             <p:spPr>
               <a:xfrm>
-                <a:off x="3178812" y="1413255"/>
-                <a:ext cx="184730" cy="400110"/>
+                <a:off x="3128010" y="1413255"/>
+                <a:ext cx="278130" cy="400110"/>
               </a:xfrm>
               <a:prstGeom prst="rect">
                 <a:avLst/>
@@ -9961,7 +9961,7 @@
             <p:spPr>
               <a:xfrm>
                 <a:off x="959777" y="2082635"/>
-                <a:ext cx="4622800" cy="307777"/>
+                <a:ext cx="4622800" cy="295333"/>
               </a:xfrm>
               <a:prstGeom prst="rect">
                 <a:avLst/>
@@ -10065,7 +10065,456 @@
           </p:txBody>
         </p:sp>
       </p:grpSp>
-      �
+      <p:grpSp>
+        <p:nvGrpSpPr>
+          <p:cNvPr id="39" name="그룹 22"/>
+          <p:cNvGrpSpPr/>
+          <p:nvPr/>
+        </p:nvGrpSpPr>
+        <p:grpSpPr>
+          <a:xfrm rot="0">
+            <a:off x="6374473" y="1944477"/>
+            <a:ext cx="5092700" cy="2748708"/>
+            <a:chOff x="724829" y="1371600"/>
+            <a:chExt cx="5092700" cy="2748708"/>
+          </a:xfrm>
+        </p:grpSpPr>
+        <p:grpSp>
+          <p:nvGrpSpPr>
+            <p:cNvPr id="40" name="그룹 23"/>
+            <p:cNvGrpSpPr/>
+            <p:nvPr/>
+          </p:nvGrpSpPr>
+          <p:grpSpPr>
+            <a:xfrm rot="0">
+              <a:off x="724829" y="1371600"/>
+              <a:ext cx="5092700" cy="2748708"/>
+              <a:chOff x="724829" y="1371600"/>
+              <a:chExt cx="5092700" cy="2748708"/>
+            </a:xfrm>
+          </p:grpSpPr>
+          <p:sp>
+            <p:nvSpPr>
+              <p:cNvPr id="41" name="직사각형 25"/>
+              <p:cNvSpPr/>
+              <p:nvPr/>
+            </p:nvSpPr>
+            <p:spPr>
+              <a:xfrm>
+                <a:off x="724829" y="1855021"/>
+                <a:ext cx="5092700" cy="2265287"/>
+              </a:xfrm>
+              <a:prstGeom prst="rect">
+                <a:avLst/>
+              </a:prstGeom>
+              <a:solidFill>
+                <a:srgbClr val="d9e9fa">
+                  <a:alpha val="100000"/>
+                </a:srgbClr>
+              </a:solidFill>
+              <a:ln w="19050" cap="flat" cmpd="sng" algn="ctr">
+                <a:noFill/>
+                <a:prstDash val="solid"/>
+                <a:miter/>
+              </a:ln>
+            </p:spPr>
+            <p:txBody>
+              <a:bodyPr anchor="ctr"/>
+              <a:p>
+                <a:pPr marL="0" indent="0" algn="ctr" defTabSz="914400" rtl="0" eaLnBrk="1" latinLnBrk="1" hangingPunct="1">
+                  <a:lnSpc>
+                    <a:spcPct val="100000"/>
+                  </a:lnSpc>
+                  <a:spcBef>
+                    <a:spcPct val="0"/>
+                  </a:spcBef>
+                  <a:spcAft>
+                    <a:spcPts val="0"/>
+                  </a:spcAft>
+                  <a:buNone/>
+                  <a:defRPr/>
+                </a:pPr>
+                <a:endParaRPr xmlns:mc="http://schemas.openxmlformats.org/markup-compatibility/2006" xmlns:hp="http://schemas.haansoft.com/office/presentation/8.0" kumimoji="0" lang="ko-KR" altLang="en-US" sz="1800" b="0" i="0" u="none" strike="noStrike" kern="1200" cap="none" spc="0" normalizeH="0" baseline="0" mc:Ignorable="hp" hp:hslEmbossed="0">
+                  <a:solidFill>
+                    <a:srgbClr val="ffffff"/>
+                  </a:solidFill>
+                  <a:latin typeface="맑은 고딕"/>
+                  <a:ea typeface="맑은 고딕"/>
+                  <a:cs typeface="맑은 고딕"/>
+                </a:endParaRPr>
+              </a:p>
+            </p:txBody>
+          </p:sp>
+          <p:sp>
+            <p:nvSpPr>
+              <p:cNvPr id="42" name="직사각형 26"/>
+              <p:cNvSpPr/>
+              <p:nvPr/>
+            </p:nvSpPr>
+            <p:spPr>
+              <a:xfrm>
+                <a:off x="724829" y="1371600"/>
+                <a:ext cx="5092700" cy="483421"/>
+              </a:xfrm>
+              <a:prstGeom prst="rect">
+                <a:avLst/>
+              </a:prstGeom>
+              <a:solidFill>
+                <a:srgbClr val="205f9b">
+                  <a:alpha val="100000"/>
+                </a:srgbClr>
+              </a:solidFill>
+              <a:ln w="19050" cap="flat" cmpd="sng" algn="ctr">
+                <a:noFill/>
+                <a:prstDash val="solid"/>
+                <a:miter/>
+              </a:ln>
+            </p:spPr>
+            <p:txBody>
+              <a:bodyPr anchor="ctr"/>
+              <a:p>
+                <a:pPr marL="0" indent="0" algn="ctr" defTabSz="914400" rtl="0" eaLnBrk="1" latinLnBrk="1" hangingPunct="1">
+                  <a:lnSpc>
+                    <a:spcPct val="100000"/>
+                  </a:lnSpc>
+                  <a:spcBef>
+                    <a:spcPct val="0"/>
+                  </a:spcBef>
+                  <a:spcAft>
+                    <a:spcPts val="0"/>
+                  </a:spcAft>
+                  <a:buNone/>
+                  <a:defRPr/>
+                </a:pPr>
+                <a:r>
+                  <a:rPr xmlns:mc="http://schemas.openxmlformats.org/markup-compatibility/2006" xmlns:hp="http://schemas.haansoft.com/office/presentation/8.0" kumimoji="0" lang="ko-KR" altLang="en-US" sz="1800" b="0" i="0" u="none" strike="noStrike" kern="1200" cap="none" spc="0" normalizeH="0" baseline="0" mc:Ignorable="hp" hp:hslEmbossed="0">
+                    <a:solidFill>
+                      <a:srgbClr val="ffffff"/>
+                    </a:solidFill>
+                    <a:latin typeface="맑은 고딕"/>
+                    <a:ea typeface="맑은 고딕"/>
+                    <a:cs typeface="맑은 고딕"/>
+                  </a:rPr>
+                  <a:t>엣지 컴퓨팅을 활용한 데이터 전송</a:t>
+                </a:r>
+                <a:endParaRPr xmlns:mc="http://schemas.openxmlformats.org/markup-compatibility/2006" xmlns:hp="http://schemas.haansoft.com/office/presentation/8.0" kumimoji="0" lang="ko-KR" altLang="en-US" sz="1800" b="0" i="0" u="none" strike="noStrike" kern="1200" cap="none" spc="0" normalizeH="0" baseline="0" mc:Ignorable="hp" hp:hslEmbossed="0">
+                  <a:solidFill>
+                    <a:srgbClr val="ffffff"/>
+                  </a:solidFill>
+                  <a:latin typeface="맑은 고딕"/>
+                  <a:ea typeface="맑은 고딕"/>
+                  <a:cs typeface="맑은 고딕"/>
+                </a:endParaRPr>
+              </a:p>
+            </p:txBody>
+          </p:sp>
+          <p:sp>
+            <p:nvSpPr>
+              <p:cNvPr id="43" name="TextBox 31"/>
+              <p:cNvSpPr txBox="1"/>
+              <p:nvPr/>
+            </p:nvSpPr>
+            <p:spPr>
+              <a:xfrm>
+                <a:off x="3126691" y="1413255"/>
+                <a:ext cx="278130" cy="400110"/>
+              </a:xfrm>
+              <a:prstGeom prst="rect">
+                <a:avLst/>
+              </a:prstGeom>
+              <a:noFill/>
+            </p:spPr>
+            <p:txBody>
+              <a:bodyPr wrap="none">
+                <a:spAutoFit/>
+              </a:bodyPr>
+              <a:p>
+                <a:pPr marL="0" indent="0" algn="ctr" defTabSz="914400" rtl="0" eaLnBrk="1" latinLnBrk="1" hangingPunct="1">
+                  <a:lnSpc>
+                    <a:spcPct val="100000"/>
+                  </a:lnSpc>
+                  <a:spcBef>
+                    <a:spcPct val="0"/>
+                  </a:spcBef>
+                  <a:spcAft>
+                    <a:spcPts val="0"/>
+                  </a:spcAft>
+                  <a:buNone/>
+                  <a:defRPr/>
+                </a:pPr>
+                <a:endParaRPr xmlns:mc="http://schemas.openxmlformats.org/markup-compatibility/2006" xmlns:hp="http://schemas.haansoft.com/office/presentation/8.0" kumimoji="0" lang="ko-KR" altLang="en-US" sz="2000" b="0" i="0" u="none" strike="noStrike" kern="1200" cap="none" spc="0" normalizeH="0" baseline="0" mc:Ignorable="hp" hp:hslEmbossed="0">
+                  <a:solidFill>
+                    <a:srgbClr val="ffffff"/>
+                  </a:solidFill>
+                  <a:latin typeface="맑은 고딕"/>
+                  <a:ea typeface="맑은 고딕"/>
+                  <a:cs typeface="맑은 고딕"/>
+                </a:endParaRPr>
+              </a:p>
+            </p:txBody>
+          </p:sp>
+          <p:sp>
+            <p:nvSpPr>
+              <p:cNvPr id="44" name="TextBox 35"/>
+              <p:cNvSpPr txBox="1"/>
+              <p:nvPr/>
+            </p:nvSpPr>
+            <p:spPr>
+              <a:xfrm>
+                <a:off x="959777" y="2082635"/>
+                <a:ext cx="4622800" cy="295333"/>
+              </a:xfrm>
+              <a:prstGeom prst="rect">
+                <a:avLst/>
+              </a:prstGeom>
+              <a:noFill/>
+            </p:spPr>
+            <p:txBody>
+              <a:bodyPr wrap="square">
+                <a:spAutoFit/>
+              </a:bodyPr>
+              <a:p>
+                <a:pPr marL="0" indent="0" algn="just" defTabSz="914400" rtl="0" eaLnBrk="1" latinLnBrk="1" hangingPunct="1">
+                  <a:lnSpc>
+                    <a:spcPct val="100000"/>
+                  </a:lnSpc>
+                  <a:spcBef>
+                    <a:spcPct val="0"/>
+                  </a:spcBef>
+                  <a:spcAft>
+                    <a:spcPts val="0"/>
+                  </a:spcAft>
+                  <a:buNone/>
+                  <a:defRPr/>
+                </a:pPr>
+                <a:endParaRPr xmlns:mc="http://schemas.openxmlformats.org/markup-compatibility/2006" xmlns:hp="http://schemas.haansoft.com/office/presentation/8.0" kumimoji="0" lang="ko-KR" altLang="en-US" sz="1400" b="0" i="0" u="none" strike="noStrike" kern="1200" cap="none" spc="0" normalizeH="0" baseline="0" mc:Ignorable="hp" hp:hslEmbossed="0">
+                  <a:solidFill>
+                    <a:srgbClr val="000000"/>
+                  </a:solidFill>
+                  <a:latin typeface="맑은 고딕"/>
+                  <a:ea typeface="맑은 고딕"/>
+                  <a:cs typeface="맑은 고딕"/>
+                </a:endParaRPr>
+              </a:p>
+            </p:txBody>
+          </p:sp>
+        </p:grpSp>
+        <p:sp>
+          <p:nvSpPr>
+            <p:cNvPr id="45" name="TextBox 24"/>
+            <p:cNvSpPr txBox="1"/>
+            <p:nvPr/>
+          </p:nvSpPr>
+          <p:spPr>
+            <a:xfrm>
+              <a:off x="908712" y="1917442"/>
+              <a:ext cx="4724928" cy="1736876"/>
+            </a:xfrm>
+            <a:prstGeom prst="rect">
+              <a:avLst/>
+            </a:prstGeom>
+            <a:noFill/>
+          </p:spPr>
+          <p:txBody>
+            <a:bodyPr wrap="square">
+              <a:spAutoFit/>
+            </a:bodyPr>
+            <a:p>
+              <a:pPr marL="0" lvl="0" indent="0" algn="l" defTabSz="914400" rtl="0" eaLnBrk="1" latinLnBrk="1" hangingPunct="1">
+                <a:lnSpc>
+                  <a:spcPct val="100000"/>
+                </a:lnSpc>
+                <a:spcBef>
+                  <a:spcPct val="0"/>
+                </a:spcBef>
+                <a:spcAft>
+                  <a:spcPts val="0"/>
+                </a:spcAft>
+                <a:buNone/>
+                <a:defRPr/>
+              </a:pPr>
+              <a:endParaRPr xmlns:mc="http://schemas.openxmlformats.org/markup-compatibility/2006" xmlns:hp="http://schemas.haansoft.com/office/presentation/8.0" kumimoji="0" lang="ko-KR" altLang="en-US" sz="1800" b="0" i="0" u="none" strike="noStrike" kern="1200" cap="none" spc="0" normalizeH="0" baseline="0" mc:Ignorable="hp" hp:hslEmbossed="0">
+                <a:solidFill>
+                  <a:srgbClr val="3a3a3a"/>
+                </a:solidFill>
+                <a:latin typeface="맑은 고딕"/>
+                <a:ea typeface="맑은 고딕"/>
+                <a:cs typeface="맑은 고딕"/>
+              </a:endParaRPr>
+            </a:p>
+            <a:p>
+              <a:pPr marL="342900" indent="-342900" algn="l" defTabSz="914400" rtl="0" eaLnBrk="1" latinLnBrk="1" hangingPunct="1">
+                <a:lnSpc>
+                  <a:spcPct val="100000"/>
+                </a:lnSpc>
+                <a:spcBef>
+                  <a:spcPct val="0"/>
+                </a:spcBef>
+                <a:spcAft>
+                  <a:spcPts val="0"/>
+                </a:spcAft>
+                <a:buAutoNum type="arabicPeriod"/>
+                <a:defRPr/>
+              </a:pPr>
+              <a:r>
+                <a:rPr xmlns:mc="http://schemas.openxmlformats.org/markup-compatibility/2006" xmlns:hp="http://schemas.haansoft.com/office/presentation/8.0" kumimoji="0" lang="ko-KR" altLang="en-US" sz="1800" b="0" i="0" u="none" strike="noStrike" kern="1200" cap="none" spc="0" normalizeH="0" baseline="0" mc:Ignorable="hp" hp:hslEmbossed="0">
+                  <a:solidFill>
+                    <a:srgbClr val="3a3a3a"/>
+                  </a:solidFill>
+                  <a:latin typeface="맑은 고딕"/>
+                  <a:ea typeface="맑은 고딕"/>
+                  <a:cs typeface="맑은 고딕"/>
+                </a:rPr>
+                <a:t>  데이터 전송 부담 완화</a:t>
+              </a:r>
+              <a:endParaRPr xmlns:mc="http://schemas.openxmlformats.org/markup-compatibility/2006" xmlns:hp="http://schemas.haansoft.com/office/presentation/8.0" kumimoji="0" lang="ko-KR" altLang="en-US" sz="1800" b="0" i="0" u="none" strike="noStrike" kern="1200" cap="none" spc="0" normalizeH="0" baseline="0" mc:Ignorable="hp" hp:hslEmbossed="0">
+                <a:solidFill>
+                  <a:srgbClr val="3a3a3a"/>
+                </a:solidFill>
+                <a:latin typeface="맑은 고딕"/>
+                <a:ea typeface="맑은 고딕"/>
+                <a:cs typeface="맑은 고딕"/>
+              </a:endParaRPr>
+            </a:p>
+            <a:p>
+              <a:pPr marL="342900" indent="-342900" algn="l" defTabSz="914400" rtl="0" eaLnBrk="1" latinLnBrk="1" hangingPunct="1">
+                <a:lnSpc>
+                  <a:spcPct val="100000"/>
+                </a:lnSpc>
+                <a:spcBef>
+                  <a:spcPct val="0"/>
+                </a:spcBef>
+                <a:spcAft>
+                  <a:spcPts val="0"/>
+                </a:spcAft>
+                <a:buAutoNum type="arabicPeriod"/>
+                <a:defRPr/>
+              </a:pPr>
+              <a:endParaRPr xmlns:mc="http://schemas.openxmlformats.org/markup-compatibility/2006" xmlns:hp="http://schemas.haansoft.com/office/presentation/8.0" kumimoji="0" lang="en-US" altLang="ko-KR" sz="1800" b="0" i="0" u="none" strike="noStrike" kern="1200" cap="none" spc="0" normalizeH="0" baseline="0" mc:Ignorable="hp" hp:hslEmbossed="0">
+                <a:solidFill>
+                  <a:srgbClr val="3a3a3a"/>
+                </a:solidFill>
+                <a:latin typeface="맑은 고딕"/>
+                <a:ea typeface="맑은 고딕"/>
+                <a:cs typeface="맑은 고딕"/>
+              </a:endParaRPr>
+            </a:p>
+            <a:p>
+              <a:pPr marL="342900" indent="-342900" algn="l" defTabSz="914400" rtl="0" eaLnBrk="1" latinLnBrk="1" hangingPunct="1">
+                <a:lnSpc>
+                  <a:spcPct val="100000"/>
+                </a:lnSpc>
+                <a:spcBef>
+                  <a:spcPct val="0"/>
+                </a:spcBef>
+                <a:spcAft>
+                  <a:spcPts val="0"/>
+                </a:spcAft>
+                <a:buAutoNum type="arabicPeriod"/>
+                <a:defRPr/>
+              </a:pPr>
+              <a:r>
+                <a:rPr xmlns:mc="http://schemas.openxmlformats.org/markup-compatibility/2006" xmlns:hp="http://schemas.haansoft.com/office/presentation/8.0" kumimoji="0" lang="en-US" altLang="ko-KR" sz="1800" b="0" i="0" u="none" strike="noStrike" kern="1200" cap="none" spc="0" normalizeH="0" baseline="0" mc:Ignorable="hp" hp:hslEmbossed="0">
+                  <a:solidFill>
+                    <a:srgbClr val="3a3a3a"/>
+                  </a:solidFill>
+                  <a:latin typeface="맑은 고딕"/>
+                  <a:ea typeface="맑은 고딕"/>
+                  <a:cs typeface="맑은 고딕"/>
+                </a:rPr>
+                <a:t>  </a:t>
+              </a:r>
+              <a:r>
+                <a:rPr xmlns:mc="http://schemas.openxmlformats.org/markup-compatibility/2006" xmlns:hp="http://schemas.haansoft.com/office/presentation/8.0" kumimoji="0" lang="ko-KR" altLang="en-US" sz="1800" b="0" i="0" u="none" strike="noStrike" kern="1200" cap="none" spc="0" normalizeH="0" baseline="0" mc:Ignorable="hp" hp:hslEmbossed="0">
+                  <a:solidFill>
+                    <a:srgbClr val="3a3a3a"/>
+                  </a:solidFill>
+                  <a:latin typeface="맑은 고딕"/>
+                  <a:ea typeface="맑은 고딕"/>
+                  <a:cs typeface="맑은 고딕"/>
+                </a:rPr>
+                <a:t>실시간 응답</a:t>
+              </a:r>
+              <a:endParaRPr xmlns:mc="http://schemas.openxmlformats.org/markup-compatibility/2006" xmlns:hp="http://schemas.haansoft.com/office/presentation/8.0" kumimoji="0" lang="ko-KR" altLang="en-US" sz="1800" b="0" i="0" u="none" strike="noStrike" kern="1200" cap="none" spc="0" normalizeH="0" baseline="0" mc:Ignorable="hp" hp:hslEmbossed="0">
+                <a:solidFill>
+                  <a:srgbClr val="3a3a3a"/>
+                </a:solidFill>
+                <a:latin typeface="맑은 고딕"/>
+                <a:ea typeface="맑은 고딕"/>
+                <a:cs typeface="맑은 고딕"/>
+              </a:endParaRPr>
+            </a:p>
+            <a:p>
+              <a:pPr marL="342900" indent="-342900" algn="l" defTabSz="914400" rtl="0" eaLnBrk="1" latinLnBrk="1" hangingPunct="1">
+                <a:lnSpc>
+                  <a:spcPct val="100000"/>
+                </a:lnSpc>
+                <a:spcBef>
+                  <a:spcPct val="0"/>
+                </a:spcBef>
+                <a:spcAft>
+                  <a:spcPts val="0"/>
+                </a:spcAft>
+                <a:buAutoNum type="arabicPeriod"/>
+                <a:defRPr/>
+              </a:pPr>
+              <a:endParaRPr xmlns:mc="http://schemas.openxmlformats.org/markup-compatibility/2006" xmlns:hp="http://schemas.haansoft.com/office/presentation/8.0" kumimoji="0" lang="en-US" altLang="ko-KR" sz="1800" b="0" i="0" u="none" strike="noStrike" kern="1200" cap="none" spc="0" normalizeH="0" baseline="0" mc:Ignorable="hp" hp:hslEmbossed="0">
+                <a:solidFill>
+                  <a:srgbClr val="3a3a3a"/>
+                </a:solidFill>
+                <a:latin typeface="맑은 고딕"/>
+                <a:ea typeface="맑은 고딕"/>
+                <a:cs typeface="맑은 고딕"/>
+              </a:endParaRPr>
+            </a:p>
+            <a:p>
+              <a:pPr marL="342900" indent="-342900" algn="l" defTabSz="914400" rtl="0" eaLnBrk="1" latinLnBrk="1" hangingPunct="1">
+                <a:lnSpc>
+                  <a:spcPct val="100000"/>
+                </a:lnSpc>
+                <a:spcBef>
+                  <a:spcPct val="0"/>
+                </a:spcBef>
+                <a:spcAft>
+                  <a:spcPts val="0"/>
+                </a:spcAft>
+                <a:buAutoNum type="arabicPeriod"/>
+                <a:defRPr/>
+              </a:pPr>
+              <a:r>
+                <a:rPr xmlns:mc="http://schemas.openxmlformats.org/markup-compatibility/2006" xmlns:hp="http://schemas.haansoft.com/office/presentation/8.0" kumimoji="0" lang="en-US" altLang="ko-KR" sz="1800" b="0" i="0" u="none" strike="noStrike" kern="1200" cap="none" spc="0" normalizeH="0" baseline="0" mc:Ignorable="hp" hp:hslEmbossed="0">
+                  <a:solidFill>
+                    <a:srgbClr val="3a3a3a"/>
+                  </a:solidFill>
+                  <a:latin typeface="맑은 고딕"/>
+                  <a:ea typeface="맑은 고딕"/>
+                  <a:cs typeface="맑은 고딕"/>
+                </a:rPr>
+                <a:t>  </a:t>
+              </a:r>
+              <a:r>
+                <a:rPr xmlns:mc="http://schemas.openxmlformats.org/markup-compatibility/2006" xmlns:hp="http://schemas.haansoft.com/office/presentation/8.0" kumimoji="0" lang="ko-KR" altLang="en-US" sz="1800" b="0" i="0" u="none" strike="noStrike" kern="1200" cap="none" spc="0" normalizeH="0" baseline="0" mc:Ignorable="hp" hp:hslEmbossed="0">
+                  <a:solidFill>
+                    <a:srgbClr val="3a3a3a"/>
+                  </a:solidFill>
+                  <a:latin typeface="맑은 고딕"/>
+                  <a:ea typeface="맑은 고딕"/>
+                  <a:cs typeface="맑은 고딕"/>
+                </a:rPr>
+                <a:t>보안 및 개인 정보 보호</a:t>
+              </a:r>
+              <a:endParaRPr xmlns:mc="http://schemas.openxmlformats.org/markup-compatibility/2006" xmlns:hp="http://schemas.haansoft.com/office/presentation/8.0" kumimoji="0" lang="ko-KR" altLang="en-US" sz="1800" b="0" i="0" u="none" strike="noStrike" kern="1200" cap="none" spc="0" normalizeH="0" baseline="0" mc:Ignorable="hp" hp:hslEmbossed="0">
+                <a:solidFill>
+                  <a:srgbClr val="3a3a3a"/>
+                </a:solidFill>
+                <a:latin typeface="맑은 고딕"/>
+                <a:ea typeface="맑은 고딕"/>
+                <a:cs typeface="맑은 고딕"/>
+              </a:endParaRPr>
+            </a:p>
+          </p:txBody>
+        </p:sp>
+      </p:grpSp>
     </p:spTree>
     <p:extLst>
       <p:ext uri="{BB962C8B-B14F-4D97-AF65-F5344CB8AC3E}">
